--- a/doc/slides.pptx
+++ b/doc/slides.pptx
@@ -2,7 +2,7 @@
 <file path=ppt/presentation.xml><?xml version="1.0" encoding="utf-8"?>
 <p:presentation xmlns:a="http://schemas.openxmlformats.org/drawingml/2006/main" xmlns:r="http://schemas.openxmlformats.org/officeDocument/2006/relationships" xmlns:p="http://schemas.openxmlformats.org/presentationml/2006/main" showSpecialPlsOnTitleSld="0" autoCompressPictures="0">
   <p:sldMasterIdLst>
-    <p:sldMasterId id="2147483767" r:id="rId1"/>
+    <p:sldMasterId id="2147484088" r:id="rId1"/>
   </p:sldMasterIdLst>
   <p:notesMasterIdLst>
     <p:notesMasterId r:id="rId13"/>
@@ -12,12 +12,12 @@
     <p:sldId id="257" r:id="rId3"/>
     <p:sldId id="258" r:id="rId4"/>
     <p:sldId id="260" r:id="rId5"/>
-    <p:sldId id="261" r:id="rId6"/>
-    <p:sldId id="262" r:id="rId7"/>
-    <p:sldId id="263" r:id="rId8"/>
-    <p:sldId id="267" r:id="rId9"/>
-    <p:sldId id="264" r:id="rId10"/>
-    <p:sldId id="265" r:id="rId11"/>
+    <p:sldId id="268" r:id="rId6"/>
+    <p:sldId id="261" r:id="rId7"/>
+    <p:sldId id="262" r:id="rId8"/>
+    <p:sldId id="263" r:id="rId9"/>
+    <p:sldId id="267" r:id="rId10"/>
+    <p:sldId id="264" r:id="rId11"/>
     <p:sldId id="266" r:id="rId12"/>
   </p:sldIdLst>
   <p:sldSz cx="12192000" cy="6858000"/>
@@ -126,12 +126,12 @@
             <p14:sldId id="257"/>
             <p14:sldId id="258"/>
             <p14:sldId id="260"/>
+            <p14:sldId id="268"/>
             <p14:sldId id="261"/>
             <p14:sldId id="262"/>
             <p14:sldId id="263"/>
             <p14:sldId id="267"/>
             <p14:sldId id="264"/>
-            <p14:sldId id="265"/>
             <p14:sldId id="266"/>
           </p14:sldIdLst>
         </p14:section>
@@ -226,7 +226,7 @@
           <a:p>
             <a:fld id="{4E797B24-1D95-4577-A43C-A1D0C1A024AB}" type="datetimeFigureOut">
               <a:rPr lang="de-DE" smtClean="0"/>
-              <a:t>06.03.2014</a:t>
+              <a:t>07.03.2014</a:t>
             </a:fld>
             <a:endParaRPr lang="de-DE"/>
           </a:p>
@@ -521,7 +521,101 @@
             <p:ph type="sldImg"/>
           </p:nvPr>
         </p:nvSpPr>
-        <p:spPr/>
+        <p:spPr>
+          <a:xfrm>
+            <a:off x="685800" y="1143000"/>
+            <a:ext cx="5486400" cy="3086100"/>
+          </a:xfrm>
+        </p:spPr>
+      </p:sp>
+      <p:sp>
+        <p:nvSpPr>
+          <p:cNvPr id="3" name="Notizenplatzhalter 2"/>
+          <p:cNvSpPr>
+            <a:spLocks noGrp="1"/>
+          </p:cNvSpPr>
+          <p:nvPr>
+            <p:ph type="body" idx="1"/>
+          </p:nvPr>
+        </p:nvSpPr>
+        <p:spPr/>
+        <p:txBody>
+          <a:bodyPr/>
+          <a:lstStyle/>
+          <a:p>
+            <a:endParaRPr lang="de-DE"/>
+          </a:p>
+        </p:txBody>
+      </p:sp>
+      <p:sp>
+        <p:nvSpPr>
+          <p:cNvPr id="4" name="Foliennummernplatzhalter 3"/>
+          <p:cNvSpPr>
+            <a:spLocks noGrp="1"/>
+          </p:cNvSpPr>
+          <p:nvPr>
+            <p:ph type="sldNum" sz="quarter" idx="10"/>
+          </p:nvPr>
+        </p:nvSpPr>
+        <p:spPr/>
+        <p:txBody>
+          <a:bodyPr/>
+          <a:lstStyle/>
+          <a:p>
+            <a:fld id="{35F06DB6-C961-486F-9CF3-1CFC1B3BA128}" type="slidenum">
+              <a:rPr lang="de-DE" smtClean="0"/>
+              <a:t>1</a:t>
+            </a:fld>
+            <a:endParaRPr lang="de-DE"/>
+          </a:p>
+        </p:txBody>
+      </p:sp>
+    </p:spTree>
+    <p:extLst>
+      <p:ext uri="{BB962C8B-B14F-4D97-AF65-F5344CB8AC3E}">
+        <p14:creationId xmlns:p14="http://schemas.microsoft.com/office/powerpoint/2010/main" val="468790488"/>
+      </p:ext>
+    </p:extLst>
+  </p:cSld>
+  <p:clrMapOvr>
+    <a:masterClrMapping/>
+  </p:clrMapOvr>
+</p:notes>
+</file>
+
+<file path=ppt/notesSlides/notesSlide2.xml><?xml version="1.0" encoding="utf-8"?>
+<p:notes xmlns:a="http://schemas.openxmlformats.org/drawingml/2006/main" xmlns:r="http://schemas.openxmlformats.org/officeDocument/2006/relationships" xmlns:p="http://schemas.openxmlformats.org/presentationml/2006/main">
+  <p:cSld>
+    <p:spTree>
+      <p:nvGrpSpPr>
+        <p:cNvPr id="1" name=""/>
+        <p:cNvGrpSpPr/>
+        <p:nvPr/>
+      </p:nvGrpSpPr>
+      <p:grpSpPr>
+        <a:xfrm>
+          <a:off x="0" y="0"/>
+          <a:ext cx="0" cy="0"/>
+          <a:chOff x="0" y="0"/>
+          <a:chExt cx="0" cy="0"/>
+        </a:xfrm>
+      </p:grpSpPr>
+      <p:sp>
+        <p:nvSpPr>
+          <p:cNvPr id="2" name="Folienbildplatzhalter 1"/>
+          <p:cNvSpPr>
+            <a:spLocks noGrp="1" noRot="1" noChangeAspect="1"/>
+          </p:cNvSpPr>
+          <p:nvPr>
+            <p:ph type="sldImg"/>
+          </p:nvPr>
+        </p:nvSpPr>
+        <p:spPr>
+          <a:xfrm>
+            <a:off x="685800" y="1143000"/>
+            <a:ext cx="5486400" cy="3086100"/>
+          </a:xfrm>
+        </p:spPr>
       </p:sp>
       <p:sp>
         <p:nvSpPr>
@@ -1078,9 +1172,9 @@
           <a:bodyPr/>
           <a:lstStyle/>
           <a:p>
-            <a:fld id="{8F87F103-FA2C-45CF-B191-CD5E49E91099}" type="datetime1">
+            <a:fld id="{4ACCBD8F-8BD5-4878-B72F-67A403A586FD}" type="datetime1">
               <a:rPr lang="en-US" smtClean="0"/>
-              <a:t>3/6/2014</a:t>
+              <a:t>3/7/2014</a:t>
             </a:fld>
             <a:endParaRPr lang="en-US" dirty="0"/>
           </a:p>
@@ -1108,7 +1202,7 @@
           <a:p>
             <a:r>
               <a:rPr lang="en-US" smtClean="0"/>
-              <a:t>Service composition - Ewen / Zipfler</a:t>
+              <a:t>Service Composition - Ewen / Zipfler</a:t>
             </a:r>
             <a:endParaRPr lang="en-US" dirty="0"/>
           </a:p>
@@ -1141,7 +1235,7 @@
     </p:spTree>
     <p:extLst>
       <p:ext uri="{BB962C8B-B14F-4D97-AF65-F5344CB8AC3E}">
-        <p14:creationId xmlns:p14="http://schemas.microsoft.com/office/powerpoint/2010/main" val="3749613463"/>
+        <p14:creationId xmlns:p14="http://schemas.microsoft.com/office/powerpoint/2010/main" val="2156469770"/>
       </p:ext>
     </p:extLst>
   </p:cSld>
@@ -1379,9 +1473,9 @@
           <a:bodyPr/>
           <a:lstStyle/>
           <a:p>
-            <a:fld id="{DE51DA25-C823-4D23-9564-0C6C8E78FC82}" type="datetime1">
+            <a:fld id="{66769744-011B-4074-B34A-5BCA902BB4A6}" type="datetime1">
               <a:rPr lang="en-US" smtClean="0"/>
-              <a:t>3/6/2014</a:t>
+              <a:t>3/7/2014</a:t>
             </a:fld>
             <a:endParaRPr lang="en-US" dirty="0"/>
           </a:p>
@@ -1404,7 +1498,7 @@
           <a:p>
             <a:r>
               <a:rPr lang="en-US" smtClean="0"/>
-              <a:t>Service composition - Ewen / Zipfler</a:t>
+              <a:t>Service Composition - Ewen / Zipfler</a:t>
             </a:r>
             <a:endParaRPr lang="en-US" dirty="0"/>
           </a:p>
@@ -1437,7 +1531,7 @@
     </p:spTree>
     <p:extLst>
       <p:ext uri="{BB962C8B-B14F-4D97-AF65-F5344CB8AC3E}">
-        <p14:creationId xmlns:p14="http://schemas.microsoft.com/office/powerpoint/2010/main" val="3822430835"/>
+        <p14:creationId xmlns:p14="http://schemas.microsoft.com/office/powerpoint/2010/main" val="980367817"/>
       </p:ext>
     </p:extLst>
   </p:cSld>
@@ -1633,9 +1727,9 @@
           <a:bodyPr/>
           <a:lstStyle/>
           <a:p>
-            <a:fld id="{DE51DA25-C823-4D23-9564-0C6C8E78FC82}" type="datetime1">
+            <a:fld id="{66769744-011B-4074-B34A-5BCA902BB4A6}" type="datetime1">
               <a:rPr lang="en-US" smtClean="0"/>
-              <a:t>3/6/2014</a:t>
+              <a:t>3/7/2014</a:t>
             </a:fld>
             <a:endParaRPr lang="en-US" dirty="0"/>
           </a:p>
@@ -1658,7 +1752,7 @@
           <a:p>
             <a:r>
               <a:rPr lang="en-US" smtClean="0"/>
-              <a:t>Service composition - Ewen / Zipfler</a:t>
+              <a:t>Service Composition - Ewen / Zipfler</a:t>
             </a:r>
             <a:endParaRPr lang="en-US" dirty="0"/>
           </a:p>
@@ -1691,7 +1785,7 @@
     </p:spTree>
     <p:extLst>
       <p:ext uri="{BB962C8B-B14F-4D97-AF65-F5344CB8AC3E}">
-        <p14:creationId xmlns:p14="http://schemas.microsoft.com/office/powerpoint/2010/main" val="3398452483"/>
+        <p14:creationId xmlns:p14="http://schemas.microsoft.com/office/powerpoint/2010/main" val="793536980"/>
       </p:ext>
     </p:extLst>
   </p:cSld>
@@ -2179,9 +2273,9 @@
           <a:bodyPr/>
           <a:lstStyle/>
           <a:p>
-            <a:fld id="{DE51DA25-C823-4D23-9564-0C6C8E78FC82}" type="datetime1">
+            <a:fld id="{66769744-011B-4074-B34A-5BCA902BB4A6}" type="datetime1">
               <a:rPr lang="en-US" smtClean="0"/>
-              <a:t>3/6/2014</a:t>
+              <a:t>3/7/2014</a:t>
             </a:fld>
             <a:endParaRPr lang="en-US" dirty="0"/>
           </a:p>
@@ -2204,7 +2298,7 @@
           <a:p>
             <a:r>
               <a:rPr lang="en-US" smtClean="0"/>
-              <a:t>Service composition - Ewen / Zipfler</a:t>
+              <a:t>Service Composition - Ewen / Zipfler</a:t>
             </a:r>
             <a:endParaRPr lang="en-US" dirty="0"/>
           </a:p>
@@ -2237,7 +2331,7 @@
     </p:spTree>
     <p:extLst>
       <p:ext uri="{BB962C8B-B14F-4D97-AF65-F5344CB8AC3E}">
-        <p14:creationId xmlns:p14="http://schemas.microsoft.com/office/powerpoint/2010/main" val="3927488063"/>
+        <p14:creationId xmlns:p14="http://schemas.microsoft.com/office/powerpoint/2010/main" val="2577558603"/>
       </p:ext>
     </p:extLst>
   </p:cSld>
@@ -2433,9 +2527,9 @@
           <a:bodyPr/>
           <a:lstStyle/>
           <a:p>
-            <a:fld id="{DE51DA25-C823-4D23-9564-0C6C8E78FC82}" type="datetime1">
+            <a:fld id="{66769744-011B-4074-B34A-5BCA902BB4A6}" type="datetime1">
               <a:rPr lang="en-US" smtClean="0"/>
-              <a:t>3/6/2014</a:t>
+              <a:t>3/7/2014</a:t>
             </a:fld>
             <a:endParaRPr lang="en-US" dirty="0"/>
           </a:p>
@@ -2458,7 +2552,7 @@
           <a:p>
             <a:r>
               <a:rPr lang="en-US" smtClean="0"/>
-              <a:t>Service composition - Ewen / Zipfler</a:t>
+              <a:t>Service Composition - Ewen / Zipfler</a:t>
             </a:r>
             <a:endParaRPr lang="en-US" dirty="0"/>
           </a:p>
@@ -2491,7 +2585,7 @@
     </p:spTree>
     <p:extLst>
       <p:ext uri="{BB962C8B-B14F-4D97-AF65-F5344CB8AC3E}">
-        <p14:creationId xmlns:p14="http://schemas.microsoft.com/office/powerpoint/2010/main" val="2142010460"/>
+        <p14:creationId xmlns:p14="http://schemas.microsoft.com/office/powerpoint/2010/main" val="2143725758"/>
       </p:ext>
     </p:extLst>
   </p:cSld>
@@ -2971,9 +3065,9 @@
           <a:bodyPr/>
           <a:lstStyle/>
           <a:p>
-            <a:fld id="{DE51DA25-C823-4D23-9564-0C6C8E78FC82}" type="datetime1">
+            <a:fld id="{66769744-011B-4074-B34A-5BCA902BB4A6}" type="datetime1">
               <a:rPr lang="en-US" smtClean="0"/>
-              <a:t>3/6/2014</a:t>
+              <a:t>3/7/2014</a:t>
             </a:fld>
             <a:endParaRPr lang="en-US" dirty="0"/>
           </a:p>
@@ -2996,7 +3090,7 @@
           <a:p>
             <a:r>
               <a:rPr lang="en-US" smtClean="0"/>
-              <a:t>Service composition - Ewen / Zipfler</a:t>
+              <a:t>Service Composition - Ewen / Zipfler</a:t>
             </a:r>
             <a:endParaRPr lang="en-US" dirty="0"/>
           </a:p>
@@ -3029,7 +3123,7 @@
     </p:spTree>
     <p:extLst>
       <p:ext uri="{BB962C8B-B14F-4D97-AF65-F5344CB8AC3E}">
-        <p14:creationId xmlns:p14="http://schemas.microsoft.com/office/powerpoint/2010/main" val="3164962364"/>
+        <p14:creationId xmlns:p14="http://schemas.microsoft.com/office/powerpoint/2010/main" val="2307840728"/>
       </p:ext>
     </p:extLst>
   </p:cSld>
@@ -3274,9 +3368,9 @@
           <a:bodyPr/>
           <a:lstStyle/>
           <a:p>
-            <a:fld id="{DE51DA25-C823-4D23-9564-0C6C8E78FC82}" type="datetime1">
+            <a:fld id="{66769744-011B-4074-B34A-5BCA902BB4A6}" type="datetime1">
               <a:rPr lang="en-US" smtClean="0"/>
-              <a:t>3/6/2014</a:t>
+              <a:t>3/7/2014</a:t>
             </a:fld>
             <a:endParaRPr lang="en-US" dirty="0"/>
           </a:p>
@@ -3299,7 +3393,7 @@
           <a:p>
             <a:r>
               <a:rPr lang="en-US" smtClean="0"/>
-              <a:t>Service composition - Ewen / Zipfler</a:t>
+              <a:t>Service Composition - Ewen / Zipfler</a:t>
             </a:r>
             <a:endParaRPr lang="en-US" dirty="0"/>
           </a:p>
@@ -3332,7 +3426,7 @@
     </p:spTree>
     <p:extLst>
       <p:ext uri="{BB962C8B-B14F-4D97-AF65-F5344CB8AC3E}">
-        <p14:creationId xmlns:p14="http://schemas.microsoft.com/office/powerpoint/2010/main" val="1816342306"/>
+        <p14:creationId xmlns:p14="http://schemas.microsoft.com/office/powerpoint/2010/main" val="1934508769"/>
       </p:ext>
     </p:extLst>
   </p:cSld>
@@ -3454,9 +3548,9 @@
           <a:bodyPr/>
           <a:lstStyle/>
           <a:p>
-            <a:fld id="{DAE8FDE7-6F24-4E5D-ABE6-4164586454D1}" type="datetime1">
+            <a:fld id="{7758BD52-2550-4FED-BC7D-7D7889CC1C10}" type="datetime1">
               <a:rPr lang="en-US" smtClean="0"/>
-              <a:t>3/6/2014</a:t>
+              <a:t>3/7/2014</a:t>
             </a:fld>
             <a:endParaRPr lang="en-US" dirty="0"/>
           </a:p>
@@ -3479,7 +3573,7 @@
           <a:p>
             <a:r>
               <a:rPr lang="en-US" smtClean="0"/>
-              <a:t>Service composition - Ewen / Zipfler</a:t>
+              <a:t>Service Composition - Ewen / Zipfler</a:t>
             </a:r>
             <a:endParaRPr lang="en-US" dirty="0"/>
           </a:p>
@@ -3512,7 +3606,7 @@
     </p:spTree>
     <p:extLst>
       <p:ext uri="{BB962C8B-B14F-4D97-AF65-F5344CB8AC3E}">
-        <p14:creationId xmlns:p14="http://schemas.microsoft.com/office/powerpoint/2010/main" val="1708710816"/>
+        <p14:creationId xmlns:p14="http://schemas.microsoft.com/office/powerpoint/2010/main" val="2491244616"/>
       </p:ext>
     </p:extLst>
   </p:cSld>
@@ -3639,9 +3733,9 @@
           <a:bodyPr/>
           <a:lstStyle/>
           <a:p>
-            <a:fld id="{E298D9F1-61A2-499C-9453-C8575A3811AC}" type="datetime1">
+            <a:fld id="{797CCC56-70E4-423A-8715-205EFC32ADE5}" type="datetime1">
               <a:rPr lang="en-US" smtClean="0"/>
-              <a:t>3/6/2014</a:t>
+              <a:t>3/7/2014</a:t>
             </a:fld>
             <a:endParaRPr lang="en-US" dirty="0"/>
           </a:p>
@@ -3664,7 +3758,7 @@
           <a:p>
             <a:r>
               <a:rPr lang="en-US" smtClean="0"/>
-              <a:t>Service composition - Ewen / Zipfler</a:t>
+              <a:t>Service Composition - Ewen / Zipfler</a:t>
             </a:r>
             <a:endParaRPr lang="en-US" dirty="0"/>
           </a:p>
@@ -3697,7 +3791,7 @@
     </p:spTree>
     <p:extLst>
       <p:ext uri="{BB962C8B-B14F-4D97-AF65-F5344CB8AC3E}">
-        <p14:creationId xmlns:p14="http://schemas.microsoft.com/office/powerpoint/2010/main" val="279739008"/>
+        <p14:creationId xmlns:p14="http://schemas.microsoft.com/office/powerpoint/2010/main" val="4087291984"/>
       </p:ext>
     </p:extLst>
   </p:cSld>
@@ -3814,9 +3908,9 @@
           <a:bodyPr/>
           <a:lstStyle/>
           <a:p>
-            <a:fld id="{67BA45D9-6C83-46E4-843A-3EDA48C70E69}" type="datetime1">
+            <a:fld id="{98E6506B-3F24-49A0-8BED-701F583E6C21}" type="datetime1">
               <a:rPr lang="en-US" smtClean="0"/>
-              <a:t>3/6/2014</a:t>
+              <a:t>3/7/2014</a:t>
             </a:fld>
             <a:endParaRPr lang="en-US" dirty="0"/>
           </a:p>
@@ -3839,7 +3933,7 @@
           <a:p>
             <a:r>
               <a:rPr lang="en-US" smtClean="0"/>
-              <a:t>Service composition - Ewen / Zipfler</a:t>
+              <a:t>Service Composition - Ewen / Zipfler</a:t>
             </a:r>
             <a:endParaRPr lang="en-US" dirty="0"/>
           </a:p>
@@ -3877,7 +3971,7 @@
     </p:spTree>
     <p:extLst>
       <p:ext uri="{BB962C8B-B14F-4D97-AF65-F5344CB8AC3E}">
-        <p14:creationId xmlns:p14="http://schemas.microsoft.com/office/powerpoint/2010/main" val="3897602581"/>
+        <p14:creationId xmlns:p14="http://schemas.microsoft.com/office/powerpoint/2010/main" val="1848659649"/>
       </p:ext>
     </p:extLst>
   </p:cSld>
@@ -4070,9 +4164,9 @@
           <a:bodyPr/>
           <a:lstStyle/>
           <a:p>
-            <a:fld id="{40D40B96-6E1E-4869-8B5E-5633A4397DC5}" type="datetime1">
+            <a:fld id="{C27FC722-9EF9-4162-A338-E425E75FF1E4}" type="datetime1">
               <a:rPr lang="en-US" smtClean="0"/>
-              <a:t>3/6/2014</a:t>
+              <a:t>3/7/2014</a:t>
             </a:fld>
             <a:endParaRPr lang="en-US" dirty="0"/>
           </a:p>
@@ -4095,7 +4189,7 @@
           <a:p>
             <a:r>
               <a:rPr lang="en-US" smtClean="0"/>
-              <a:t>Service composition - Ewen / Zipfler</a:t>
+              <a:t>Service Composition - Ewen / Zipfler</a:t>
             </a:r>
             <a:endParaRPr lang="en-US" dirty="0"/>
           </a:p>
@@ -4128,7 +4222,7 @@
     </p:spTree>
     <p:extLst>
       <p:ext uri="{BB962C8B-B14F-4D97-AF65-F5344CB8AC3E}">
-        <p14:creationId xmlns:p14="http://schemas.microsoft.com/office/powerpoint/2010/main" val="4070367843"/>
+        <p14:creationId xmlns:p14="http://schemas.microsoft.com/office/powerpoint/2010/main" val="2683381860"/>
       </p:ext>
     </p:extLst>
   </p:cSld>
@@ -4372,9 +4466,9 @@
           <a:bodyPr/>
           <a:lstStyle/>
           <a:p>
-            <a:fld id="{091DE852-FC8D-41CA-85E9-53C6AA3B1EFA}" type="datetime1">
+            <a:fld id="{D54F01B2-FDE9-41F6-B68A-C906AA4D06D7}" type="datetime1">
               <a:rPr lang="en-US" smtClean="0"/>
-              <a:t>3/6/2014</a:t>
+              <a:t>3/7/2014</a:t>
             </a:fld>
             <a:endParaRPr lang="en-US" dirty="0"/>
           </a:p>
@@ -4397,7 +4491,7 @@
           <a:p>
             <a:r>
               <a:rPr lang="en-US" smtClean="0"/>
-              <a:t>Service composition - Ewen / Zipfler</a:t>
+              <a:t>Service Composition - Ewen / Zipfler</a:t>
             </a:r>
             <a:endParaRPr lang="en-US" dirty="0"/>
           </a:p>
@@ -4430,7 +4524,7 @@
     </p:spTree>
     <p:extLst>
       <p:ext uri="{BB962C8B-B14F-4D97-AF65-F5344CB8AC3E}">
-        <p14:creationId xmlns:p14="http://schemas.microsoft.com/office/powerpoint/2010/main" val="4120053732"/>
+        <p14:creationId xmlns:p14="http://schemas.microsoft.com/office/powerpoint/2010/main" val="2996430600"/>
       </p:ext>
     </p:extLst>
   </p:cSld>
@@ -4819,9 +4913,9 @@
           <a:bodyPr/>
           <a:lstStyle/>
           <a:p>
-            <a:fld id="{03C8ECE5-D0B1-4BE6-8FEC-807A2516638B}" type="datetime1">
+            <a:fld id="{AC888BB0-A1C9-4001-83FA-B48A253950DB}" type="datetime1">
               <a:rPr lang="en-US" smtClean="0"/>
-              <a:t>3/6/2014</a:t>
+              <a:t>3/7/2014</a:t>
             </a:fld>
             <a:endParaRPr lang="en-US" dirty="0"/>
           </a:p>
@@ -4844,7 +4938,7 @@
           <a:p>
             <a:r>
               <a:rPr lang="en-US" smtClean="0"/>
-              <a:t>Service composition - Ewen / Zipfler</a:t>
+              <a:t>Service Composition - Ewen / Zipfler</a:t>
             </a:r>
             <a:endParaRPr lang="en-US" dirty="0"/>
           </a:p>
@@ -4877,7 +4971,7 @@
     </p:spTree>
     <p:extLst>
       <p:ext uri="{BB962C8B-B14F-4D97-AF65-F5344CB8AC3E}">
-        <p14:creationId xmlns:p14="http://schemas.microsoft.com/office/powerpoint/2010/main" val="1643003065"/>
+        <p14:creationId xmlns:p14="http://schemas.microsoft.com/office/powerpoint/2010/main" val="2154528250"/>
       </p:ext>
     </p:extLst>
   </p:cSld>
@@ -4942,9 +5036,9 @@
           <a:bodyPr/>
           <a:lstStyle/>
           <a:p>
-            <a:fld id="{F796FFE8-9E53-4763-B8E9-DE08E4BCFB4B}" type="datetime1">
+            <a:fld id="{07B90618-DEC0-4D1E-A31C-5B51405B78A8}" type="datetime1">
               <a:rPr lang="en-US" smtClean="0"/>
-              <a:t>3/6/2014</a:t>
+              <a:t>3/7/2014</a:t>
             </a:fld>
             <a:endParaRPr lang="en-US" dirty="0"/>
           </a:p>
@@ -4967,7 +5061,7 @@
           <a:p>
             <a:r>
               <a:rPr lang="en-US" smtClean="0"/>
-              <a:t>Service composition - Ewen / Zipfler</a:t>
+              <a:t>Service Composition - Ewen / Zipfler</a:t>
             </a:r>
             <a:endParaRPr lang="en-US" dirty="0"/>
           </a:p>
@@ -5000,7 +5094,7 @@
     </p:spTree>
     <p:extLst>
       <p:ext uri="{BB962C8B-B14F-4D97-AF65-F5344CB8AC3E}">
-        <p14:creationId xmlns:p14="http://schemas.microsoft.com/office/powerpoint/2010/main" val="3230761980"/>
+        <p14:creationId xmlns:p14="http://schemas.microsoft.com/office/powerpoint/2010/main" val="2949388670"/>
       </p:ext>
     </p:extLst>
   </p:cSld>
@@ -5042,9 +5136,9 @@
           <a:bodyPr/>
           <a:lstStyle/>
           <a:p>
-            <a:fld id="{AD17993F-FA62-47D8-B6EC-D75C89D195C4}" type="datetime1">
+            <a:fld id="{A4EBAB1F-1BAF-4ED0-A959-8FBF30BF62E5}" type="datetime1">
               <a:rPr lang="en-US" smtClean="0"/>
-              <a:t>3/6/2014</a:t>
+              <a:t>3/7/2014</a:t>
             </a:fld>
             <a:endParaRPr lang="en-US" dirty="0"/>
           </a:p>
@@ -5067,7 +5161,7 @@
           <a:p>
             <a:r>
               <a:rPr lang="en-US" smtClean="0"/>
-              <a:t>Service composition - Ewen / Zipfler</a:t>
+              <a:t>Service Composition - Ewen / Zipfler</a:t>
             </a:r>
             <a:endParaRPr lang="en-US" dirty="0"/>
           </a:p>
@@ -5100,7 +5194,7 @@
     </p:spTree>
     <p:extLst>
       <p:ext uri="{BB962C8B-B14F-4D97-AF65-F5344CB8AC3E}">
-        <p14:creationId xmlns:p14="http://schemas.microsoft.com/office/powerpoint/2010/main" val="3310990554"/>
+        <p14:creationId xmlns:p14="http://schemas.microsoft.com/office/powerpoint/2010/main" val="577099072"/>
       </p:ext>
     </p:extLst>
   </p:cSld>
@@ -5330,9 +5424,9 @@
           <a:bodyPr/>
           <a:lstStyle/>
           <a:p>
-            <a:fld id="{36A7A314-72E7-44F7-8CBB-58190A77F961}" type="datetime1">
+            <a:fld id="{360A64AE-B214-4A32-8DC3-AD05D1F3F6D5}" type="datetime1">
               <a:rPr lang="en-US" smtClean="0"/>
-              <a:t>3/6/2014</a:t>
+              <a:t>3/7/2014</a:t>
             </a:fld>
             <a:endParaRPr lang="en-US" dirty="0"/>
           </a:p>
@@ -5355,7 +5449,7 @@
           <a:p>
             <a:r>
               <a:rPr lang="en-US" smtClean="0"/>
-              <a:t>Service composition - Ewen / Zipfler</a:t>
+              <a:t>Service Composition - Ewen / Zipfler</a:t>
             </a:r>
             <a:endParaRPr lang="en-US" dirty="0"/>
           </a:p>
@@ -5388,7 +5482,7 @@
     </p:spTree>
     <p:extLst>
       <p:ext uri="{BB962C8B-B14F-4D97-AF65-F5344CB8AC3E}">
-        <p14:creationId xmlns:p14="http://schemas.microsoft.com/office/powerpoint/2010/main" val="2942317613"/>
+        <p14:creationId xmlns:p14="http://schemas.microsoft.com/office/powerpoint/2010/main" val="1218039251"/>
       </p:ext>
     </p:extLst>
   </p:cSld>
@@ -5626,9 +5720,9 @@
           <a:bodyPr/>
           <a:lstStyle/>
           <a:p>
-            <a:fld id="{F904F643-7209-491F-B0BD-1EC7AEDA8048}" type="datetime1">
+            <a:fld id="{D23061F0-A9B9-4543-A1CA-5BA651169659}" type="datetime1">
               <a:rPr lang="en-US" smtClean="0"/>
-              <a:t>3/6/2014</a:t>
+              <a:t>3/7/2014</a:t>
             </a:fld>
             <a:endParaRPr lang="en-US" dirty="0"/>
           </a:p>
@@ -5680,7 +5774,7 @@
     </p:spTree>
     <p:extLst>
       <p:ext uri="{BB962C8B-B14F-4D97-AF65-F5344CB8AC3E}">
-        <p14:creationId xmlns:p14="http://schemas.microsoft.com/office/powerpoint/2010/main" val="4286069972"/>
+        <p14:creationId xmlns:p14="http://schemas.microsoft.com/office/powerpoint/2010/main" val="3797502058"/>
       </p:ext>
     </p:extLst>
   </p:cSld>
@@ -6157,9 +6251,9 @@
             </a:lvl1pPr>
           </a:lstStyle>
           <a:p>
-            <a:fld id="{DE51DA25-C823-4D23-9564-0C6C8E78FC82}" type="datetime1">
+            <a:fld id="{66769744-011B-4074-B34A-5BCA902BB4A6}" type="datetime1">
               <a:rPr lang="en-US" smtClean="0"/>
-              <a:t>3/6/2014</a:t>
+              <a:t>3/7/2014</a:t>
             </a:fld>
             <a:endParaRPr lang="en-US" dirty="0"/>
           </a:p>
@@ -6200,7 +6294,7 @@
           <a:p>
             <a:r>
               <a:rPr lang="en-US" smtClean="0"/>
-              <a:t>Service composition - Ewen / Zipfler</a:t>
+              <a:t>Service Composition - Ewen / Zipfler</a:t>
             </a:r>
             <a:endParaRPr lang="en-US" dirty="0"/>
           </a:p>
@@ -6251,29 +6345,29 @@
     </p:spTree>
     <p:extLst>
       <p:ext uri="{BB962C8B-B14F-4D97-AF65-F5344CB8AC3E}">
-        <p14:creationId xmlns:p14="http://schemas.microsoft.com/office/powerpoint/2010/main" val="245630191"/>
+        <p14:creationId xmlns:p14="http://schemas.microsoft.com/office/powerpoint/2010/main" val="1855668554"/>
       </p:ext>
     </p:extLst>
   </p:cSld>
   <p:clrMap bg1="lt1" tx1="dk1" bg2="lt2" tx2="dk2" accent1="accent1" accent2="accent2" accent3="accent3" accent4="accent4" accent5="accent5" accent6="accent6" hlink="hlink" folHlink="folHlink"/>
   <p:sldLayoutIdLst>
-    <p:sldLayoutId id="2147483768" r:id="rId1"/>
-    <p:sldLayoutId id="2147483769" r:id="rId2"/>
-    <p:sldLayoutId id="2147483770" r:id="rId3"/>
-    <p:sldLayoutId id="2147483771" r:id="rId4"/>
-    <p:sldLayoutId id="2147483772" r:id="rId5"/>
-    <p:sldLayoutId id="2147483773" r:id="rId6"/>
-    <p:sldLayoutId id="2147483774" r:id="rId7"/>
-    <p:sldLayoutId id="2147483775" r:id="rId8"/>
-    <p:sldLayoutId id="2147483776" r:id="rId9"/>
-    <p:sldLayoutId id="2147483777" r:id="rId10"/>
-    <p:sldLayoutId id="2147483778" r:id="rId11"/>
-    <p:sldLayoutId id="2147483779" r:id="rId12"/>
-    <p:sldLayoutId id="2147483780" r:id="rId13"/>
-    <p:sldLayoutId id="2147483781" r:id="rId14"/>
-    <p:sldLayoutId id="2147483782" r:id="rId15"/>
-    <p:sldLayoutId id="2147483783" r:id="rId16"/>
-    <p:sldLayoutId id="2147483784" r:id="rId17"/>
+    <p:sldLayoutId id="2147484089" r:id="rId1"/>
+    <p:sldLayoutId id="2147484090" r:id="rId2"/>
+    <p:sldLayoutId id="2147484091" r:id="rId3"/>
+    <p:sldLayoutId id="2147484092" r:id="rId4"/>
+    <p:sldLayoutId id="2147484093" r:id="rId5"/>
+    <p:sldLayoutId id="2147484094" r:id="rId6"/>
+    <p:sldLayoutId id="2147484095" r:id="rId7"/>
+    <p:sldLayoutId id="2147484096" r:id="rId8"/>
+    <p:sldLayoutId id="2147484097" r:id="rId9"/>
+    <p:sldLayoutId id="2147484098" r:id="rId10"/>
+    <p:sldLayoutId id="2147484099" r:id="rId11"/>
+    <p:sldLayoutId id="2147484100" r:id="rId12"/>
+    <p:sldLayoutId id="2147484101" r:id="rId13"/>
+    <p:sldLayoutId id="2147484102" r:id="rId14"/>
+    <p:sldLayoutId id="2147484103" r:id="rId15"/>
+    <p:sldLayoutId id="2147484104" r:id="rId16"/>
+    <p:sldLayoutId id="2147484105" r:id="rId17"/>
   </p:sldLayoutIdLst>
   <p:hf hdr="0" dt="0"/>
   <p:txStyles>
@@ -6717,7 +6811,7 @@
             </a:r>
             <a:r>
               <a:rPr lang="de-DE" dirty="0" err="1" smtClean="0"/>
-              <a:t>composition</a:t>
+              <a:t>Composition</a:t>
             </a:r>
             <a:endParaRPr lang="de-DE" dirty="0"/>
           </a:p>
@@ -6808,14 +6902,12 @@
         </p:nvSpPr>
         <p:spPr/>
         <p:txBody>
-          <a:bodyPr>
-            <a:normAutofit/>
-          </a:bodyPr>
+          <a:bodyPr/>
           <a:lstStyle/>
           <a:p>
             <a:r>
               <a:rPr lang="de-DE" dirty="0" smtClean="0"/>
-              <a:t>Falls Fragen aufgekommen sind, können diese nun gestellt werden</a:t>
+              <a:t>Live Demonstration</a:t>
             </a:r>
             <a:endParaRPr lang="de-DE" dirty="0"/>
           </a:p>
@@ -6836,7 +6928,7 @@
           <a:bodyPr/>
           <a:lstStyle/>
           <a:p>
-            <a:endParaRPr lang="de-DE" dirty="0"/>
+            <a:endParaRPr lang="de-DE"/>
           </a:p>
         </p:txBody>
       </p:sp>
@@ -6857,7 +6949,7 @@
           <a:p>
             <a:r>
               <a:rPr lang="en-US" smtClean="0"/>
-              <a:t>Service composition - Ewen / Zipfler</a:t>
+              <a:t>Service Composition - Ewen / Zipfler</a:t>
             </a:r>
             <a:endParaRPr lang="en-US" dirty="0"/>
           </a:p>
@@ -6890,7 +6982,7 @@
     </p:spTree>
     <p:extLst>
       <p:ext uri="{BB962C8B-B14F-4D97-AF65-F5344CB8AC3E}">
-        <p14:creationId xmlns:p14="http://schemas.microsoft.com/office/powerpoint/2010/main" val="2342025019"/>
+        <p14:creationId xmlns:p14="http://schemas.microsoft.com/office/powerpoint/2010/main" val="1611649230"/>
       </p:ext>
     </p:extLst>
   </p:cSld>
@@ -6987,7 +7079,7 @@
           <a:p>
             <a:r>
               <a:rPr lang="en-US" smtClean="0"/>
-              <a:t>Service composition - Ewen / Zipfler</a:t>
+              <a:t>Service Composition - Ewen / Zipfler</a:t>
             </a:r>
             <a:endParaRPr lang="en-US" dirty="0"/>
           </a:p>
@@ -7064,7 +7156,12 @@
             <p:ph type="title"/>
           </p:nvPr>
         </p:nvSpPr>
-        <p:spPr/>
+        <p:spPr>
+          <a:xfrm>
+            <a:off x="1484311" y="685800"/>
+            <a:ext cx="10018713" cy="1752599"/>
+          </a:xfrm>
+        </p:spPr>
         <p:txBody>
           <a:bodyPr/>
           <a:lstStyle/>
@@ -7092,18 +7189,21 @@
           <a:bodyPr/>
           <a:lstStyle/>
           <a:p>
+            <a:pPr marL="261938" indent="-261938"/>
             <a:r>
               <a:rPr lang="de-DE" dirty="0" smtClean="0"/>
               <a:t>Theoretisches</a:t>
             </a:r>
           </a:p>
           <a:p>
+            <a:pPr marL="261938" indent="-261938"/>
             <a:r>
               <a:rPr lang="de-DE" dirty="0" smtClean="0"/>
               <a:t>Implementierung</a:t>
             </a:r>
           </a:p>
           <a:p>
+            <a:pPr marL="261938" indent="-261938"/>
             <a:r>
               <a:rPr lang="de-DE" dirty="0" smtClean="0"/>
               <a:t>Live Demonstration</a:t>
@@ -7129,7 +7229,7 @@
           <a:p>
             <a:r>
               <a:rPr lang="en-US" smtClean="0"/>
-              <a:t>Service composition - Ewen / Zipfler</a:t>
+              <a:t>Service Composition - Ewen / Zipfler</a:t>
             </a:r>
             <a:endParaRPr lang="en-US" dirty="0"/>
           </a:p>
@@ -7259,7 +7359,7 @@
           <a:p>
             <a:r>
               <a:rPr lang="en-US" smtClean="0"/>
-              <a:t>Service composition - Ewen / Zipfler</a:t>
+              <a:t>Service Composition - Ewen / Zipfler</a:t>
             </a:r>
             <a:endParaRPr lang="en-US" dirty="0"/>
           </a:p>
@@ -7485,7 +7585,7 @@
           <a:p>
             <a:r>
               <a:rPr lang="en-US" smtClean="0"/>
-              <a:t>Service composition - Ewen / Zipfler</a:t>
+              <a:t>Service Composition - Ewen / Zipfler</a:t>
             </a:r>
             <a:endParaRPr lang="en-US" dirty="0"/>
           </a:p>
@@ -7569,7 +7669,7 @@
           <a:p>
             <a:r>
               <a:rPr lang="de-DE" dirty="0" smtClean="0"/>
-              <a:t>Implementierung</a:t>
+              <a:t>Begriffserklärung</a:t>
             </a:r>
             <a:endParaRPr lang="de-DE" dirty="0"/>
           </a:p>
@@ -7577,12 +7677,12 @@
       </p:sp>
       <p:sp>
         <p:nvSpPr>
-          <p:cNvPr id="3" name="Textplatzhalter 2"/>
-          <p:cNvSpPr>
-            <a:spLocks noGrp="1"/>
-          </p:cNvSpPr>
-          <p:nvPr>
-            <p:ph type="body" idx="1"/>
+          <p:cNvPr id="3" name="Inhaltsplatzhalter 2"/>
+          <p:cNvSpPr>
+            <a:spLocks noGrp="1"/>
+          </p:cNvSpPr>
+          <p:nvPr>
+            <p:ph idx="1"/>
           </p:nvPr>
         </p:nvSpPr>
         <p:spPr/>
@@ -7592,10 +7692,48 @@
           <a:p>
             <a:r>
               <a:rPr lang="de-DE" dirty="0" smtClean="0"/>
-              <a:t>Was wurde wie implementiert?</a:t>
+              <a:t>Registry</a:t>
+            </a:r>
+          </a:p>
+          <a:p>
+            <a:pPr lvl="1"/>
+            <a:r>
+              <a:rPr lang="de-DE" dirty="0" smtClean="0"/>
+              <a:t>Enthält Liste aller Services</a:t>
+            </a:r>
+          </a:p>
+          <a:p>
+            <a:r>
+              <a:rPr lang="de-DE" dirty="0" smtClean="0"/>
+              <a:t>Service </a:t>
+            </a:r>
+            <a:r>
+              <a:rPr lang="de-DE" dirty="0" err="1" smtClean="0"/>
+              <a:t>Contract</a:t>
             </a:r>
             <a:endParaRPr lang="de-DE" dirty="0"/>
           </a:p>
+          <a:p>
+            <a:pPr lvl="1"/>
+            <a:r>
+              <a:rPr lang="de-DE" dirty="0" smtClean="0"/>
+              <a:t>Benötigte Parameter</a:t>
+            </a:r>
+          </a:p>
+          <a:p>
+            <a:pPr lvl="1"/>
+            <a:r>
+              <a:rPr lang="de-DE" dirty="0" smtClean="0"/>
+              <a:t>Rückgabewerte</a:t>
+            </a:r>
+          </a:p>
+          <a:p>
+            <a:pPr lvl="1"/>
+            <a:r>
+              <a:rPr lang="de-DE" dirty="0" smtClean="0"/>
+              <a:t>Beschreibung</a:t>
+            </a:r>
+          </a:p>
         </p:txBody>
       </p:sp>
       <p:sp>
@@ -7615,7 +7753,7 @@
           <a:p>
             <a:r>
               <a:rPr lang="en-US" smtClean="0"/>
-              <a:t>Service composition - Ewen / Zipfler</a:t>
+              <a:t>Service Composition - Ewen / Zipfler</a:t>
             </a:r>
             <a:endParaRPr lang="en-US" dirty="0"/>
           </a:p>
@@ -7648,7 +7786,7 @@
     </p:spTree>
     <p:extLst>
       <p:ext uri="{BB962C8B-B14F-4D97-AF65-F5344CB8AC3E}">
-        <p14:creationId xmlns:p14="http://schemas.microsoft.com/office/powerpoint/2010/main" val="4051327254"/>
+        <p14:creationId xmlns:p14="http://schemas.microsoft.com/office/powerpoint/2010/main" val="1301120679"/>
       </p:ext>
     </p:extLst>
   </p:cSld>
@@ -7684,7 +7822,7 @@
       </p:grpSpPr>
       <p:sp>
         <p:nvSpPr>
-          <p:cNvPr id="4" name="Titel 3"/>
+          <p:cNvPr id="2" name="Titel 1"/>
           <p:cNvSpPr>
             <a:spLocks noGrp="1"/>
           </p:cNvSpPr>
@@ -7699,7 +7837,7 @@
           <a:p>
             <a:r>
               <a:rPr lang="de-DE" dirty="0" smtClean="0"/>
-              <a:t>Grundsätzliches</a:t>
+              <a:t>Implementierung</a:t>
             </a:r>
             <a:endParaRPr lang="de-DE" dirty="0"/>
           </a:p>
@@ -7707,12 +7845,12 @@
       </p:sp>
       <p:sp>
         <p:nvSpPr>
-          <p:cNvPr id="5" name="Inhaltsplatzhalter 4"/>
-          <p:cNvSpPr>
-            <a:spLocks noGrp="1"/>
-          </p:cNvSpPr>
-          <p:nvPr>
-            <p:ph idx="1"/>
+          <p:cNvPr id="3" name="Textplatzhalter 2"/>
+          <p:cNvSpPr>
+            <a:spLocks noGrp="1"/>
+          </p:cNvSpPr>
+          <p:nvPr>
+            <p:ph type="body" idx="1"/>
           </p:nvPr>
         </p:nvSpPr>
         <p:spPr/>
@@ -7722,33 +7860,7 @@
           <a:p>
             <a:r>
               <a:rPr lang="de-DE" dirty="0" smtClean="0"/>
-              <a:t>GO als verwendete Programmiersprache</a:t>
-            </a:r>
-          </a:p>
-          <a:p>
-            <a:pPr lvl="1"/>
-            <a:r>
-              <a:rPr lang="de-DE" dirty="0" smtClean="0"/>
-              <a:t>Entwickelt zum erstellen von Webservices</a:t>
-            </a:r>
-          </a:p>
-          <a:p>
-            <a:r>
-              <a:rPr lang="de-DE" dirty="0" smtClean="0"/>
-              <a:t>GIT als Versionskontrollsystem</a:t>
-            </a:r>
-          </a:p>
-          <a:p>
-            <a:r>
-              <a:rPr lang="de-DE" dirty="0" smtClean="0"/>
-              <a:t>Erweiterbares Konzept</a:t>
-            </a:r>
-          </a:p>
-          <a:p>
-            <a:pPr lvl="1"/>
-            <a:r>
-              <a:rPr lang="de-DE" dirty="0" smtClean="0"/>
-              <a:t>Und Realisierung</a:t>
+              <a:t>Was wurde wie implementiert?</a:t>
             </a:r>
             <a:endParaRPr lang="de-DE" dirty="0"/>
           </a:p>
@@ -7756,7 +7868,7 @@
       </p:sp>
       <p:sp>
         <p:nvSpPr>
-          <p:cNvPr id="2" name="Fußzeilenplatzhalter 1"/>
+          <p:cNvPr id="4" name="Fußzeilenplatzhalter 3"/>
           <p:cNvSpPr>
             <a:spLocks noGrp="1"/>
           </p:cNvSpPr>
@@ -7771,15 +7883,15 @@
           <a:p>
             <a:r>
               <a:rPr lang="en-US" smtClean="0"/>
-              <a:t>Service composition - Ewen / Zipfler</a:t>
-            </a:r>
-            <a:endParaRPr lang="en-US" dirty="0"/>
-          </a:p>
-        </p:txBody>
-      </p:sp>
-      <p:sp>
-        <p:nvSpPr>
-          <p:cNvPr id="3" name="Foliennummernplatzhalter 2"/>
+              <a:t>Service Composition - Ewen / Zipfler</a:t>
+            </a:r>
+            <a:endParaRPr lang="en-US" dirty="0"/>
+          </a:p>
+        </p:txBody>
+      </p:sp>
+      <p:sp>
+        <p:nvSpPr>
+          <p:cNvPr id="5" name="Foliennummernplatzhalter 4"/>
           <p:cNvSpPr>
             <a:spLocks noGrp="1"/>
           </p:cNvSpPr>
@@ -7804,7 +7916,7 @@
     </p:spTree>
     <p:extLst>
       <p:ext uri="{BB962C8B-B14F-4D97-AF65-F5344CB8AC3E}">
-        <p14:creationId xmlns:p14="http://schemas.microsoft.com/office/powerpoint/2010/main" val="1718522615"/>
+        <p14:creationId xmlns:p14="http://schemas.microsoft.com/office/powerpoint/2010/main" val="4051327254"/>
       </p:ext>
     </p:extLst>
   </p:cSld>
@@ -7840,6 +7952,88 @@
       </p:grpSpPr>
       <p:sp>
         <p:nvSpPr>
+          <p:cNvPr id="4" name="Titel 3"/>
+          <p:cNvSpPr>
+            <a:spLocks noGrp="1"/>
+          </p:cNvSpPr>
+          <p:nvPr>
+            <p:ph type="title"/>
+          </p:nvPr>
+        </p:nvSpPr>
+        <p:spPr/>
+        <p:txBody>
+          <a:bodyPr/>
+          <a:lstStyle/>
+          <a:p>
+            <a:r>
+              <a:rPr lang="de-DE" dirty="0" smtClean="0"/>
+              <a:t>Grundsätzliches</a:t>
+            </a:r>
+            <a:endParaRPr lang="de-DE" dirty="0"/>
+          </a:p>
+        </p:txBody>
+      </p:sp>
+      <p:sp>
+        <p:nvSpPr>
+          <p:cNvPr id="5" name="Inhaltsplatzhalter 4"/>
+          <p:cNvSpPr>
+            <a:spLocks noGrp="1"/>
+          </p:cNvSpPr>
+          <p:nvPr>
+            <p:ph idx="1"/>
+          </p:nvPr>
+        </p:nvSpPr>
+        <p:spPr/>
+        <p:txBody>
+          <a:bodyPr/>
+          <a:lstStyle/>
+          <a:p>
+            <a:r>
+              <a:rPr lang="de-DE" dirty="0" smtClean="0"/>
+              <a:t>GO als verwendete Programmiersprache</a:t>
+            </a:r>
+          </a:p>
+          <a:p>
+            <a:pPr lvl="1"/>
+            <a:r>
+              <a:rPr lang="de-DE" dirty="0" smtClean="0"/>
+              <a:t>Entwickelt zum erstellen von Webservices</a:t>
+            </a:r>
+          </a:p>
+          <a:p>
+            <a:r>
+              <a:rPr lang="de-DE" dirty="0" smtClean="0"/>
+              <a:t>GIT als Versionskontrollsystem</a:t>
+            </a:r>
+          </a:p>
+          <a:p>
+            <a:r>
+              <a:rPr lang="de-DE" dirty="0" smtClean="0"/>
+              <a:t>Erweiterbares Konzept</a:t>
+            </a:r>
+          </a:p>
+          <a:p>
+            <a:pPr lvl="1"/>
+            <a:r>
+              <a:rPr lang="de-DE" dirty="0" smtClean="0"/>
+              <a:t>Und </a:t>
+            </a:r>
+            <a:r>
+              <a:rPr lang="de-DE" dirty="0" smtClean="0"/>
+              <a:t>Realisierung</a:t>
+            </a:r>
+          </a:p>
+          <a:p>
+            <a:r>
+              <a:rPr lang="de-DE" dirty="0" smtClean="0"/>
+              <a:t>Registry erreichbar über Multicast</a:t>
+            </a:r>
+            <a:endParaRPr lang="de-DE" dirty="0"/>
+          </a:p>
+        </p:txBody>
+      </p:sp>
+      <p:sp>
+        <p:nvSpPr>
           <p:cNvPr id="2" name="Fußzeilenplatzhalter 1"/>
           <p:cNvSpPr>
             <a:spLocks noGrp="1"/>
@@ -7855,7 +8049,7 @@
           <a:p>
             <a:r>
               <a:rPr lang="en-US" smtClean="0"/>
-              <a:t>Service composition - Ewen / Zipfler</a:t>
+              <a:t>Service Composition - Ewen / Zipfler</a:t>
             </a:r>
             <a:endParaRPr lang="en-US" dirty="0"/>
           </a:p>
@@ -7885,40 +8079,10 @@
           </a:p>
         </p:txBody>
       </p:sp>
-      <p:pic>
-        <p:nvPicPr>
-          <p:cNvPr id="4" name="Grafik 3"/>
-          <p:cNvPicPr>
-            <a:picLocks noChangeAspect="1"/>
-          </p:cNvPicPr>
-          <p:nvPr/>
-        </p:nvPicPr>
-        <p:blipFill>
-          <a:blip r:embed="rId2">
-            <a:extLst>
-              <a:ext uri="{28A0092B-C50C-407E-A947-70E740481C1C}">
-                <a14:useLocalDpi xmlns:a14="http://schemas.microsoft.com/office/drawing/2010/main" val="0"/>
-              </a:ext>
-            </a:extLst>
-          </a:blip>
-          <a:stretch>
-            <a:fillRect/>
-          </a:stretch>
-        </p:blipFill>
-        <p:spPr>
-          <a:xfrm>
-            <a:off x="2408625" y="1286916"/>
-            <a:ext cx="7411484" cy="3905795"/>
-          </a:xfrm>
-          <a:prstGeom prst="rect">
-            <a:avLst/>
-          </a:prstGeom>
-        </p:spPr>
-      </p:pic>
     </p:spTree>
     <p:extLst>
       <p:ext uri="{BB962C8B-B14F-4D97-AF65-F5344CB8AC3E}">
-        <p14:creationId xmlns:p14="http://schemas.microsoft.com/office/powerpoint/2010/main" val="2406769158"/>
+        <p14:creationId xmlns:p14="http://schemas.microsoft.com/office/powerpoint/2010/main" val="1718522615"/>
       </p:ext>
     </p:extLst>
   </p:cSld>
@@ -7969,7 +8133,7 @@
           <a:p>
             <a:r>
               <a:rPr lang="en-US" smtClean="0"/>
-              <a:t>Service composition - Ewen / Zipfler</a:t>
+              <a:t>Service Composition - Ewen / Zipfler</a:t>
             </a:r>
             <a:endParaRPr lang="en-US" dirty="0"/>
           </a:p>
@@ -7994,6 +8158,179 @@
               <a:rPr lang="en-US" smtClean="0"/>
               <a:pPr/>
               <a:t>8</a:t>
+            </a:fld>
+            <a:endParaRPr lang="en-US" dirty="0"/>
+          </a:p>
+        </p:txBody>
+      </p:sp>
+      <p:pic>
+        <p:nvPicPr>
+          <p:cNvPr id="5" name="Grafik 4"/>
+          <p:cNvPicPr>
+            <a:picLocks noChangeAspect="1"/>
+          </p:cNvPicPr>
+          <p:nvPr/>
+        </p:nvPicPr>
+        <p:blipFill>
+          <a:blip r:embed="rId2">
+            <a:extLst>
+              <a:ext uri="{28A0092B-C50C-407E-A947-70E740481C1C}">
+                <a14:useLocalDpi xmlns:a14="http://schemas.microsoft.com/office/drawing/2010/main" val="0"/>
+              </a:ext>
+            </a:extLst>
+          </a:blip>
+          <a:stretch>
+            <a:fillRect/>
+          </a:stretch>
+        </p:blipFill>
+        <p:spPr>
+          <a:xfrm>
+            <a:off x="1931947" y="1303020"/>
+            <a:ext cx="8364839" cy="4139413"/>
+          </a:xfrm>
+          <a:prstGeom prst="rect">
+            <a:avLst/>
+          </a:prstGeom>
+        </p:spPr>
+      </p:pic>
+    </p:spTree>
+    <p:extLst>
+      <p:ext uri="{BB962C8B-B14F-4D97-AF65-F5344CB8AC3E}">
+        <p14:creationId xmlns:p14="http://schemas.microsoft.com/office/powerpoint/2010/main" val="2406769158"/>
+      </p:ext>
+    </p:extLst>
+  </p:cSld>
+  <p:clrMapOvr>
+    <a:masterClrMapping/>
+  </p:clrMapOvr>
+  <p:timing>
+    <p:tnLst>
+      <p:par>
+        <p:cTn id="1" dur="indefinite" restart="never" nodeType="tmRoot">
+          <p:childTnLst>
+            <p:seq concurrent="1" nextAc="seek">
+              <p:cTn id="2" dur="indefinite" nodeType="mainSeq">
+                <p:childTnLst>
+                  <p:par>
+                    <p:cTn id="3" fill="hold">
+                      <p:stCondLst>
+                        <p:cond delay="indefinite"/>
+                      </p:stCondLst>
+                      <p:childTnLst>
+                        <p:par>
+                          <p:cTn id="4" fill="hold">
+                            <p:stCondLst>
+                              <p:cond delay="0"/>
+                            </p:stCondLst>
+                            <p:childTnLst>
+                              <p:par>
+                                <p:cTn id="5" presetID="6" presetClass="emph" presetSubtype="0" fill="hold" nodeType="clickEffect">
+                                  <p:stCondLst>
+                                    <p:cond delay="0"/>
+                                  </p:stCondLst>
+                                  <p:childTnLst>
+                                    <p:animScale>
+                                      <p:cBhvr>
+                                        <p:cTn id="6" dur="2000" fill="hold"/>
+                                        <p:tgtEl>
+                                          <p:spTgt spid="5"/>
+                                        </p:tgtEl>
+                                      </p:cBhvr>
+                                      <p:by x="150000" y="150000"/>
+                                    </p:animScale>
+                                  </p:childTnLst>
+                                </p:cTn>
+                              </p:par>
+                            </p:childTnLst>
+                          </p:cTn>
+                        </p:par>
+                      </p:childTnLst>
+                    </p:cTn>
+                  </p:par>
+                </p:childTnLst>
+              </p:cTn>
+              <p:prevCondLst>
+                <p:cond evt="onPrev" delay="0">
+                  <p:tgtEl>
+                    <p:sldTgt/>
+                  </p:tgtEl>
+                </p:cond>
+              </p:prevCondLst>
+              <p:nextCondLst>
+                <p:cond evt="onNext" delay="0">
+                  <p:tgtEl>
+                    <p:sldTgt/>
+                  </p:tgtEl>
+                </p:cond>
+              </p:nextCondLst>
+            </p:seq>
+          </p:childTnLst>
+        </p:cTn>
+      </p:par>
+    </p:tnLst>
+  </p:timing>
+</p:sld>
+</file>
+
+<file path=ppt/slides/slide9.xml><?xml version="1.0" encoding="utf-8"?>
+<p:sld xmlns:a="http://schemas.openxmlformats.org/drawingml/2006/main" xmlns:r="http://schemas.openxmlformats.org/officeDocument/2006/relationships" xmlns:p="http://schemas.openxmlformats.org/presentationml/2006/main">
+  <p:cSld>
+    <p:spTree>
+      <p:nvGrpSpPr>
+        <p:cNvPr id="1" name=""/>
+        <p:cNvGrpSpPr/>
+        <p:nvPr/>
+      </p:nvGrpSpPr>
+      <p:grpSpPr>
+        <a:xfrm>
+          <a:off x="0" y="0"/>
+          <a:ext cx="0" cy="0"/>
+          <a:chOff x="0" y="0"/>
+          <a:chExt cx="0" cy="0"/>
+        </a:xfrm>
+      </p:grpSpPr>
+      <p:sp>
+        <p:nvSpPr>
+          <p:cNvPr id="2" name="Fußzeilenplatzhalter 1"/>
+          <p:cNvSpPr>
+            <a:spLocks noGrp="1"/>
+          </p:cNvSpPr>
+          <p:nvPr>
+            <p:ph type="ftr" sz="quarter" idx="11"/>
+          </p:nvPr>
+        </p:nvSpPr>
+        <p:spPr/>
+        <p:txBody>
+          <a:bodyPr/>
+          <a:lstStyle/>
+          <a:p>
+            <a:r>
+              <a:rPr lang="en-US" smtClean="0"/>
+              <a:t>Service Composition - Ewen / Zipfler</a:t>
+            </a:r>
+            <a:endParaRPr lang="en-US" dirty="0"/>
+          </a:p>
+        </p:txBody>
+      </p:sp>
+      <p:sp>
+        <p:nvSpPr>
+          <p:cNvPr id="3" name="Foliennummernplatzhalter 2"/>
+          <p:cNvSpPr>
+            <a:spLocks noGrp="1"/>
+          </p:cNvSpPr>
+          <p:nvPr>
+            <p:ph type="sldNum" sz="quarter" idx="12"/>
+          </p:nvPr>
+        </p:nvSpPr>
+        <p:spPr/>
+        <p:txBody>
+          <a:bodyPr/>
+          <a:lstStyle/>
+          <a:p>
+            <a:fld id="{D57F1E4F-1CFF-5643-939E-217C01CDF565}" type="slidenum">
+              <a:rPr lang="en-US" smtClean="0"/>
+              <a:pPr/>
+              <a:t>9</a:t>
             </a:fld>
             <a:endParaRPr lang="en-US" dirty="0"/>
           </a:p>
@@ -8021,8 +8358,8 @@
         </p:blipFill>
         <p:spPr>
           <a:xfrm>
-            <a:off x="2861811" y="1509444"/>
-            <a:ext cx="6468378" cy="3839111"/>
+            <a:off x="2902914" y="1469571"/>
+            <a:ext cx="6414801" cy="3807311"/>
           </a:xfrm>
           <a:prstGeom prst="rect">
             <a:avLst/>
@@ -8039,129 +8376,69 @@
   <p:clrMapOvr>
     <a:masterClrMapping/>
   </p:clrMapOvr>
-</p:sld>
-</file>
-
-<file path=ppt/slides/slide9.xml><?xml version="1.0" encoding="utf-8"?>
-<p:sld xmlns:a="http://schemas.openxmlformats.org/drawingml/2006/main" xmlns:r="http://schemas.openxmlformats.org/officeDocument/2006/relationships" xmlns:p="http://schemas.openxmlformats.org/presentationml/2006/main">
-  <p:cSld>
-    <p:spTree>
-      <p:nvGrpSpPr>
-        <p:cNvPr id="1" name=""/>
-        <p:cNvGrpSpPr/>
-        <p:nvPr/>
-      </p:nvGrpSpPr>
-      <p:grpSpPr>
-        <a:xfrm>
-          <a:off x="0" y="0"/>
-          <a:ext cx="0" cy="0"/>
-          <a:chOff x="0" y="0"/>
-          <a:chExt cx="0" cy="0"/>
-        </a:xfrm>
-      </p:grpSpPr>
-      <p:sp>
-        <p:nvSpPr>
-          <p:cNvPr id="2" name="Titel 1"/>
-          <p:cNvSpPr>
-            <a:spLocks noGrp="1"/>
-          </p:cNvSpPr>
-          <p:nvPr>
-            <p:ph type="title"/>
-          </p:nvPr>
-        </p:nvSpPr>
-        <p:spPr/>
-        <p:txBody>
-          <a:bodyPr/>
-          <a:lstStyle/>
-          <a:p>
-            <a:r>
-              <a:rPr lang="de-DE" dirty="0" smtClean="0"/>
-              <a:t>Live Demonstration</a:t>
-            </a:r>
-            <a:endParaRPr lang="de-DE" dirty="0"/>
-          </a:p>
-        </p:txBody>
-      </p:sp>
-      <p:sp>
-        <p:nvSpPr>
-          <p:cNvPr id="3" name="Textplatzhalter 2"/>
-          <p:cNvSpPr>
-            <a:spLocks noGrp="1"/>
-          </p:cNvSpPr>
-          <p:nvPr>
-            <p:ph type="body" idx="1"/>
-          </p:nvPr>
-        </p:nvSpPr>
-        <p:spPr/>
-        <p:txBody>
-          <a:bodyPr/>
-          <a:lstStyle/>
-          <a:p>
-            <a:endParaRPr lang="de-DE"/>
-          </a:p>
-        </p:txBody>
-      </p:sp>
-      <p:sp>
-        <p:nvSpPr>
-          <p:cNvPr id="4" name="Fußzeilenplatzhalter 3"/>
-          <p:cNvSpPr>
-            <a:spLocks noGrp="1"/>
-          </p:cNvSpPr>
-          <p:nvPr>
-            <p:ph type="ftr" sz="quarter" idx="11"/>
-          </p:nvPr>
-        </p:nvSpPr>
-        <p:spPr/>
-        <p:txBody>
-          <a:bodyPr/>
-          <a:lstStyle/>
-          <a:p>
-            <a:r>
-              <a:rPr lang="en-US" smtClean="0"/>
-              <a:t>Service composition - Ewen / Zipfler</a:t>
-            </a:r>
-            <a:endParaRPr lang="en-US" dirty="0"/>
-          </a:p>
-        </p:txBody>
-      </p:sp>
-      <p:sp>
-        <p:nvSpPr>
-          <p:cNvPr id="5" name="Foliennummernplatzhalter 4"/>
-          <p:cNvSpPr>
-            <a:spLocks noGrp="1"/>
-          </p:cNvSpPr>
-          <p:nvPr>
-            <p:ph type="sldNum" sz="quarter" idx="12"/>
-          </p:nvPr>
-        </p:nvSpPr>
-        <p:spPr/>
-        <p:txBody>
-          <a:bodyPr/>
-          <a:lstStyle/>
-          <a:p>
-            <a:fld id="{D57F1E4F-1CFF-5643-939E-217C01CDF565}" type="slidenum">
-              <a:rPr lang="en-US" smtClean="0"/>
-              <a:pPr/>
-              <a:t>9</a:t>
-            </a:fld>
-            <a:endParaRPr lang="en-US" dirty="0"/>
-          </a:p>
-        </p:txBody>
-      </p:sp>
-    </p:spTree>
-    <p:extLst>
-      <p:ext uri="{BB962C8B-B14F-4D97-AF65-F5344CB8AC3E}">
-        <p14:creationId xmlns:p14="http://schemas.microsoft.com/office/powerpoint/2010/main" val="1611649230"/>
-      </p:ext>
-    </p:extLst>
-  </p:cSld>
-  <p:clrMapOvr>
-    <a:masterClrMapping/>
-  </p:clrMapOvr>
   <p:timing>
     <p:tnLst>
       <p:par>
-        <p:cTn id="1" dur="indefinite" restart="never" nodeType="tmRoot"/>
+        <p:cTn id="1" dur="indefinite" restart="never" nodeType="tmRoot">
+          <p:childTnLst>
+            <p:seq concurrent="1" nextAc="seek">
+              <p:cTn id="2" dur="indefinite" nodeType="mainSeq">
+                <p:childTnLst>
+                  <p:par>
+                    <p:cTn id="3" fill="hold">
+                      <p:stCondLst>
+                        <p:cond delay="indefinite"/>
+                      </p:stCondLst>
+                      <p:childTnLst>
+                        <p:par>
+                          <p:cTn id="4" fill="hold">
+                            <p:stCondLst>
+                              <p:cond delay="0"/>
+                            </p:stCondLst>
+                            <p:childTnLst>
+                              <p:par>
+                                <p:cTn id="5" presetID="6" presetClass="emph" presetSubtype="0" fill="hold" nodeType="clickEffect">
+                                  <p:stCondLst>
+                                    <p:cond delay="0"/>
+                                  </p:stCondLst>
+                                  <p:childTnLst>
+                                    <p:animScale>
+                                      <p:cBhvr>
+                                        <p:cTn id="6" dur="2000" fill="hold"/>
+                                        <p:tgtEl>
+                                          <p:spTgt spid="4"/>
+                                        </p:tgtEl>
+                                      </p:cBhvr>
+                                      <p:by x="150000" y="150000"/>
+                                    </p:animScale>
+                                  </p:childTnLst>
+                                </p:cTn>
+                              </p:par>
+                            </p:childTnLst>
+                          </p:cTn>
+                        </p:par>
+                      </p:childTnLst>
+                    </p:cTn>
+                  </p:par>
+                </p:childTnLst>
+              </p:cTn>
+              <p:prevCondLst>
+                <p:cond evt="onPrev" delay="0">
+                  <p:tgtEl>
+                    <p:sldTgt/>
+                  </p:tgtEl>
+                </p:cond>
+              </p:prevCondLst>
+              <p:nextCondLst>
+                <p:cond evt="onNext" delay="0">
+                  <p:tgtEl>
+                    <p:sldTgt/>
+                  </p:tgtEl>
+                </p:cond>
+              </p:nextCondLst>
+            </p:seq>
+          </p:childTnLst>
+        </p:cTn>
       </p:par>
     </p:tnLst>
   </p:timing>

--- a/doc/slides.pptx
+++ b/doc/slides.pptx
@@ -7,6 +7,9 @@
   <p:notesMasterIdLst>
     <p:notesMasterId r:id="rId13"/>
   </p:notesMasterIdLst>
+  <p:handoutMasterIdLst>
+    <p:handoutMasterId r:id="rId14"/>
+  </p:handoutMasterIdLst>
   <p:sldIdLst>
     <p:sldId id="256" r:id="rId2"/>
     <p:sldId id="257" r:id="rId3"/>
@@ -15,8 +18,8 @@
     <p:sldId id="268" r:id="rId6"/>
     <p:sldId id="261" r:id="rId7"/>
     <p:sldId id="262" r:id="rId8"/>
-    <p:sldId id="263" r:id="rId9"/>
-    <p:sldId id="267" r:id="rId10"/>
+    <p:sldId id="267" r:id="rId9"/>
+    <p:sldId id="263" r:id="rId10"/>
     <p:sldId id="264" r:id="rId11"/>
     <p:sldId id="266" r:id="rId12"/>
   </p:sldIdLst>
@@ -129,8 +132,8 @@
             <p14:sldId id="268"/>
             <p14:sldId id="261"/>
             <p14:sldId id="262"/>
+            <p14:sldId id="267"/>
             <p14:sldId id="263"/>
-            <p14:sldId id="267"/>
             <p14:sldId id="264"/>
             <p14:sldId id="266"/>
           </p14:sldIdLst>
@@ -138,10 +141,175 @@
       </p14:sectionLst>
     </p:ext>
     <p:ext uri="{EFAFB233-063F-42B5-8137-9DF3F51BA10A}">
-      <p15:sldGuideLst xmlns:p15="http://schemas.microsoft.com/office/powerpoint/2012/main"/>
+      <p15:sldGuideLst xmlns:p15="http://schemas.microsoft.com/office/powerpoint/2012/main" xmlns=""/>
     </p:ext>
   </p:extLst>
 </p:presentation>
+</file>
+
+<file path=ppt/handoutMasters/handoutMaster1.xml><?xml version="1.0" encoding="utf-8"?>
+<p:handoutMaster xmlns:a="http://schemas.openxmlformats.org/drawingml/2006/main" xmlns:r="http://schemas.openxmlformats.org/officeDocument/2006/relationships" xmlns:p="http://schemas.openxmlformats.org/presentationml/2006/main">
+  <p:cSld>
+    <p:bg>
+      <p:bgRef idx="1001">
+        <a:schemeClr val="bg1"/>
+      </p:bgRef>
+    </p:bg>
+    <p:spTree>
+      <p:nvGrpSpPr>
+        <p:cNvPr id="1" name=""/>
+        <p:cNvGrpSpPr/>
+        <p:nvPr/>
+      </p:nvGrpSpPr>
+      <p:grpSpPr>
+        <a:xfrm>
+          <a:off x="0" y="0"/>
+          <a:ext cx="0" cy="0"/>
+          <a:chOff x="0" y="0"/>
+          <a:chExt cx="0" cy="0"/>
+        </a:xfrm>
+      </p:grpSpPr>
+      <p:sp>
+        <p:nvSpPr>
+          <p:cNvPr id="2" name="Kopfzeilenplatzhalter 1"/>
+          <p:cNvSpPr>
+            <a:spLocks noGrp="1"/>
+          </p:cNvSpPr>
+          <p:nvPr>
+            <p:ph type="hdr" sz="quarter"/>
+          </p:nvPr>
+        </p:nvSpPr>
+        <p:spPr>
+          <a:xfrm>
+            <a:off x="0" y="0"/>
+            <a:ext cx="2971800" cy="457200"/>
+          </a:xfrm>
+          <a:prstGeom prst="rect">
+            <a:avLst/>
+          </a:prstGeom>
+        </p:spPr>
+        <p:txBody>
+          <a:bodyPr vert="horz" lIns="91440" tIns="45720" rIns="91440" bIns="45720" rtlCol="0"/>
+          <a:lstStyle>
+            <a:lvl1pPr algn="l">
+              <a:defRPr sz="1200"/>
+            </a:lvl1pPr>
+          </a:lstStyle>
+          <a:p>
+            <a:endParaRPr lang="de-DE"/>
+          </a:p>
+        </p:txBody>
+      </p:sp>
+      <p:sp>
+        <p:nvSpPr>
+          <p:cNvPr id="3" name="Datumsplatzhalter 2"/>
+          <p:cNvSpPr>
+            <a:spLocks noGrp="1"/>
+          </p:cNvSpPr>
+          <p:nvPr>
+            <p:ph type="dt" sz="quarter" idx="1"/>
+          </p:nvPr>
+        </p:nvSpPr>
+        <p:spPr>
+          <a:xfrm>
+            <a:off x="3884613" y="0"/>
+            <a:ext cx="2971800" cy="457200"/>
+          </a:xfrm>
+          <a:prstGeom prst="rect">
+            <a:avLst/>
+          </a:prstGeom>
+        </p:spPr>
+        <p:txBody>
+          <a:bodyPr vert="horz" lIns="91440" tIns="45720" rIns="91440" bIns="45720" rtlCol="0"/>
+          <a:lstStyle>
+            <a:lvl1pPr algn="r">
+              <a:defRPr sz="1200"/>
+            </a:lvl1pPr>
+          </a:lstStyle>
+          <a:p>
+            <a:fld id="{DD724BA5-24EC-496F-B7A8-E06573AA26DB}" type="datetimeFigureOut">
+              <a:rPr lang="de-DE" smtClean="0"/>
+              <a:t>10.03.2014</a:t>
+            </a:fld>
+            <a:endParaRPr lang="de-DE"/>
+          </a:p>
+        </p:txBody>
+      </p:sp>
+      <p:sp>
+        <p:nvSpPr>
+          <p:cNvPr id="4" name="Fußzeilenplatzhalter 3"/>
+          <p:cNvSpPr>
+            <a:spLocks noGrp="1"/>
+          </p:cNvSpPr>
+          <p:nvPr>
+            <p:ph type="ftr" sz="quarter" idx="2"/>
+          </p:nvPr>
+        </p:nvSpPr>
+        <p:spPr>
+          <a:xfrm>
+            <a:off x="0" y="8685213"/>
+            <a:ext cx="2971800" cy="457200"/>
+          </a:xfrm>
+          <a:prstGeom prst="rect">
+            <a:avLst/>
+          </a:prstGeom>
+        </p:spPr>
+        <p:txBody>
+          <a:bodyPr vert="horz" lIns="91440" tIns="45720" rIns="91440" bIns="45720" rtlCol="0" anchor="b"/>
+          <a:lstStyle>
+            <a:lvl1pPr algn="l">
+              <a:defRPr sz="1200"/>
+            </a:lvl1pPr>
+          </a:lstStyle>
+          <a:p>
+            <a:endParaRPr lang="de-DE"/>
+          </a:p>
+        </p:txBody>
+      </p:sp>
+      <p:sp>
+        <p:nvSpPr>
+          <p:cNvPr id="5" name="Foliennummernplatzhalter 4"/>
+          <p:cNvSpPr>
+            <a:spLocks noGrp="1"/>
+          </p:cNvSpPr>
+          <p:nvPr>
+            <p:ph type="sldNum" sz="quarter" idx="3"/>
+          </p:nvPr>
+        </p:nvSpPr>
+        <p:spPr>
+          <a:xfrm>
+            <a:off x="3884613" y="8685213"/>
+            <a:ext cx="2971800" cy="457200"/>
+          </a:xfrm>
+          <a:prstGeom prst="rect">
+            <a:avLst/>
+          </a:prstGeom>
+        </p:spPr>
+        <p:txBody>
+          <a:bodyPr vert="horz" lIns="91440" tIns="45720" rIns="91440" bIns="45720" rtlCol="0" anchor="b"/>
+          <a:lstStyle>
+            <a:lvl1pPr algn="r">
+              <a:defRPr sz="1200"/>
+            </a:lvl1pPr>
+          </a:lstStyle>
+          <a:p>
+            <a:fld id="{443B024D-EC19-4026-BEC7-88A63D185621}" type="slidenum">
+              <a:rPr lang="de-DE" smtClean="0"/>
+              <a:t>‹Nr.›</a:t>
+            </a:fld>
+            <a:endParaRPr lang="de-DE"/>
+          </a:p>
+        </p:txBody>
+      </p:sp>
+    </p:spTree>
+    <p:extLst>
+      <p:ext uri="{BB962C8B-B14F-4D97-AF65-F5344CB8AC3E}">
+        <p14:creationId xmlns:p14="http://schemas.microsoft.com/office/powerpoint/2010/main" val="2216140942"/>
+      </p:ext>
+    </p:extLst>
+  </p:cSld>
+  <p:clrMap bg1="lt1" tx1="dk1" bg2="lt2" tx2="dk2" accent1="accent1" accent2="accent2" accent3="accent3" accent4="accent4" accent5="accent5" accent6="accent6" hlink="hlink" folHlink="folHlink"/>
+</p:handoutMaster>
 </file>
 
 <file path=ppt/notesMasters/notesMaster1.xml><?xml version="1.0" encoding="utf-8"?>
@@ -226,7 +394,7 @@
           <a:p>
             <a:fld id="{4E797B24-1D95-4577-A43C-A1D0C1A024AB}" type="datetimeFigureOut">
               <a:rPr lang="de-DE" smtClean="0"/>
-              <a:t>07.03.2014</a:t>
+              <a:t>10.03.2014</a:t>
             </a:fld>
             <a:endParaRPr lang="de-DE"/>
           </a:p>
@@ -543,7 +711,31 @@
           <a:bodyPr/>
           <a:lstStyle/>
           <a:p>
-            <a:endParaRPr lang="de-DE"/>
+            <a:r>
+              <a:rPr lang="de-DE" dirty="0" smtClean="0"/>
+              <a:t>Service</a:t>
+            </a:r>
+            <a:r>
+              <a:rPr lang="de-DE" baseline="0" dirty="0" smtClean="0"/>
+              <a:t> </a:t>
+            </a:r>
+            <a:r>
+              <a:rPr lang="de-DE" baseline="0" dirty="0" err="1" smtClean="0"/>
+              <a:t>Composition</a:t>
+            </a:r>
+            <a:r>
+              <a:rPr lang="de-DE" baseline="0" dirty="0" smtClean="0"/>
+              <a:t> mit </a:t>
+            </a:r>
+            <a:r>
+              <a:rPr lang="de-DE" baseline="0" dirty="0" err="1" smtClean="0"/>
+              <a:t>anschließnder</a:t>
+            </a:r>
+            <a:r>
+              <a:rPr lang="de-DE" baseline="0" dirty="0" smtClean="0"/>
+              <a:t> Live Demo</a:t>
+            </a:r>
+            <a:endParaRPr lang="de-DE" dirty="0"/>
           </a:p>
         </p:txBody>
       </p:sp>
@@ -632,7 +824,34 @@
           <a:bodyPr/>
           <a:lstStyle/>
           <a:p>
-            <a:endParaRPr lang="de-DE"/>
+            <a:r>
+              <a:rPr lang="de-DE" dirty="0" smtClean="0"/>
+              <a:t>Theorie u. Begriffserklärung zum Service</a:t>
+            </a:r>
+            <a:r>
+              <a:rPr lang="de-DE" baseline="0" dirty="0" smtClean="0"/>
+              <a:t> </a:t>
+            </a:r>
+            <a:r>
+              <a:rPr lang="de-DE" baseline="0" dirty="0" err="1" smtClean="0"/>
+              <a:t>Composition</a:t>
+            </a:r>
+            <a:endParaRPr lang="de-DE" baseline="0" dirty="0" smtClean="0"/>
+          </a:p>
+          <a:p>
+            <a:r>
+              <a:rPr lang="de-DE" baseline="0" dirty="0" smtClean="0"/>
+              <a:t>Wie haben wir das ganze umgesetzt?</a:t>
+            </a:r>
+          </a:p>
+          <a:p>
+            <a:r>
+              <a:rPr lang="de-DE" baseline="0" dirty="0" smtClean="0"/>
+              <a:t>Live Demo…</a:t>
+            </a:r>
+          </a:p>
+          <a:p>
+            <a:endParaRPr lang="de-DE" dirty="0"/>
           </a:p>
         </p:txBody>
       </p:sp>
@@ -663,6 +882,104 @@
     <p:extLst>
       <p:ext uri="{BB962C8B-B14F-4D97-AF65-F5344CB8AC3E}">
         <p14:creationId xmlns:p14="http://schemas.microsoft.com/office/powerpoint/2010/main" val="650027920"/>
+      </p:ext>
+    </p:extLst>
+  </p:cSld>
+  <p:clrMapOvr>
+    <a:masterClrMapping/>
+  </p:clrMapOvr>
+</p:notes>
+</file>
+
+<file path=ppt/notesSlides/notesSlide3.xml><?xml version="1.0" encoding="utf-8"?>
+<p:notes xmlns:a="http://schemas.openxmlformats.org/drawingml/2006/main" xmlns:r="http://schemas.openxmlformats.org/officeDocument/2006/relationships" xmlns:p="http://schemas.openxmlformats.org/presentationml/2006/main">
+  <p:cSld>
+    <p:spTree>
+      <p:nvGrpSpPr>
+        <p:cNvPr id="1" name=""/>
+        <p:cNvGrpSpPr/>
+        <p:nvPr/>
+      </p:nvGrpSpPr>
+      <p:grpSpPr>
+        <a:xfrm>
+          <a:off x="0" y="0"/>
+          <a:ext cx="0" cy="0"/>
+          <a:chOff x="0" y="0"/>
+          <a:chExt cx="0" cy="0"/>
+        </a:xfrm>
+      </p:grpSpPr>
+      <p:sp>
+        <p:nvSpPr>
+          <p:cNvPr id="2" name="Folienbildplatzhalter 1"/>
+          <p:cNvSpPr>
+            <a:spLocks noGrp="1" noRot="1" noChangeAspect="1"/>
+          </p:cNvSpPr>
+          <p:nvPr>
+            <p:ph type="sldImg"/>
+          </p:nvPr>
+        </p:nvSpPr>
+        <p:spPr/>
+      </p:sp>
+      <p:sp>
+        <p:nvSpPr>
+          <p:cNvPr id="3" name="Notizenplatzhalter 2"/>
+          <p:cNvSpPr>
+            <a:spLocks noGrp="1"/>
+          </p:cNvSpPr>
+          <p:nvPr>
+            <p:ph type="body" idx="1"/>
+          </p:nvPr>
+        </p:nvSpPr>
+        <p:spPr/>
+        <p:txBody>
+          <a:bodyPr/>
+          <a:lstStyle/>
+          <a:p>
+            <a:r>
+              <a:rPr lang="de-DE" dirty="0" smtClean="0"/>
+              <a:t>Beispiel Choreografie?</a:t>
+            </a:r>
+          </a:p>
+          <a:p>
+            <a:r>
+              <a:rPr lang="de-DE" dirty="0" smtClean="0"/>
+              <a:t>Beispiel</a:t>
+            </a:r>
+            <a:r>
+              <a:rPr lang="de-DE" baseline="0" dirty="0" smtClean="0"/>
+              <a:t> Orchestrierung?</a:t>
+            </a:r>
+            <a:endParaRPr lang="de-DE" dirty="0"/>
+          </a:p>
+        </p:txBody>
+      </p:sp>
+      <p:sp>
+        <p:nvSpPr>
+          <p:cNvPr id="4" name="Foliennummernplatzhalter 3"/>
+          <p:cNvSpPr>
+            <a:spLocks noGrp="1"/>
+          </p:cNvSpPr>
+          <p:nvPr>
+            <p:ph type="sldNum" sz="quarter" idx="10"/>
+          </p:nvPr>
+        </p:nvSpPr>
+        <p:spPr/>
+        <p:txBody>
+          <a:bodyPr/>
+          <a:lstStyle/>
+          <a:p>
+            <a:fld id="{35F06DB6-C961-486F-9CF3-1CFC1B3BA128}" type="slidenum">
+              <a:rPr lang="de-DE" smtClean="0"/>
+              <a:t>4</a:t>
+            </a:fld>
+            <a:endParaRPr lang="de-DE"/>
+          </a:p>
+        </p:txBody>
+      </p:sp>
+    </p:spTree>
+    <p:extLst>
+      <p:ext uri="{BB962C8B-B14F-4D97-AF65-F5344CB8AC3E}">
+        <p14:creationId xmlns:p14="http://schemas.microsoft.com/office/powerpoint/2010/main" val="2028436519"/>
       </p:ext>
     </p:extLst>
   </p:cSld>
@@ -1174,7 +1491,7 @@
           <a:p>
             <a:fld id="{4ACCBD8F-8BD5-4878-B72F-67A403A586FD}" type="datetime1">
               <a:rPr lang="en-US" smtClean="0"/>
-              <a:t>3/7/2014</a:t>
+              <a:t>3/10/2014</a:t>
             </a:fld>
             <a:endParaRPr lang="en-US" dirty="0"/>
           </a:p>
@@ -1475,7 +1792,7 @@
           <a:p>
             <a:fld id="{66769744-011B-4074-B34A-5BCA902BB4A6}" type="datetime1">
               <a:rPr lang="en-US" smtClean="0"/>
-              <a:t>3/7/2014</a:t>
+              <a:t>3/10/2014</a:t>
             </a:fld>
             <a:endParaRPr lang="en-US" dirty="0"/>
           </a:p>
@@ -1729,7 +2046,7 @@
           <a:p>
             <a:fld id="{66769744-011B-4074-B34A-5BCA902BB4A6}" type="datetime1">
               <a:rPr lang="en-US" smtClean="0"/>
-              <a:t>3/7/2014</a:t>
+              <a:t>3/10/2014</a:t>
             </a:fld>
             <a:endParaRPr lang="en-US" dirty="0"/>
           </a:p>
@@ -2275,7 +2592,7 @@
           <a:p>
             <a:fld id="{66769744-011B-4074-B34A-5BCA902BB4A6}" type="datetime1">
               <a:rPr lang="en-US" smtClean="0"/>
-              <a:t>3/7/2014</a:t>
+              <a:t>3/10/2014</a:t>
             </a:fld>
             <a:endParaRPr lang="en-US" dirty="0"/>
           </a:p>
@@ -2529,7 +2846,7 @@
           <a:p>
             <a:fld id="{66769744-011B-4074-B34A-5BCA902BB4A6}" type="datetime1">
               <a:rPr lang="en-US" smtClean="0"/>
-              <a:t>3/7/2014</a:t>
+              <a:t>3/10/2014</a:t>
             </a:fld>
             <a:endParaRPr lang="en-US" dirty="0"/>
           </a:p>
@@ -3067,7 +3384,7 @@
           <a:p>
             <a:fld id="{66769744-011B-4074-B34A-5BCA902BB4A6}" type="datetime1">
               <a:rPr lang="en-US" smtClean="0"/>
-              <a:t>3/7/2014</a:t>
+              <a:t>3/10/2014</a:t>
             </a:fld>
             <a:endParaRPr lang="en-US" dirty="0"/>
           </a:p>
@@ -3370,7 +3687,7 @@
           <a:p>
             <a:fld id="{66769744-011B-4074-B34A-5BCA902BB4A6}" type="datetime1">
               <a:rPr lang="en-US" smtClean="0"/>
-              <a:t>3/7/2014</a:t>
+              <a:t>3/10/2014</a:t>
             </a:fld>
             <a:endParaRPr lang="en-US" dirty="0"/>
           </a:p>
@@ -3550,7 +3867,7 @@
           <a:p>
             <a:fld id="{7758BD52-2550-4FED-BC7D-7D7889CC1C10}" type="datetime1">
               <a:rPr lang="en-US" smtClean="0"/>
-              <a:t>3/7/2014</a:t>
+              <a:t>3/10/2014</a:t>
             </a:fld>
             <a:endParaRPr lang="en-US" dirty="0"/>
           </a:p>
@@ -3735,7 +4052,7 @@
           <a:p>
             <a:fld id="{797CCC56-70E4-423A-8715-205EFC32ADE5}" type="datetime1">
               <a:rPr lang="en-US" smtClean="0"/>
-              <a:t>3/7/2014</a:t>
+              <a:t>3/10/2014</a:t>
             </a:fld>
             <a:endParaRPr lang="en-US" dirty="0"/>
           </a:p>
@@ -3910,7 +4227,7 @@
           <a:p>
             <a:fld id="{98E6506B-3F24-49A0-8BED-701F583E6C21}" type="datetime1">
               <a:rPr lang="en-US" smtClean="0"/>
-              <a:t>3/7/2014</a:t>
+              <a:t>3/10/2014</a:t>
             </a:fld>
             <a:endParaRPr lang="en-US" dirty="0"/>
           </a:p>
@@ -4166,7 +4483,7 @@
           <a:p>
             <a:fld id="{C27FC722-9EF9-4162-A338-E425E75FF1E4}" type="datetime1">
               <a:rPr lang="en-US" smtClean="0"/>
-              <a:t>3/7/2014</a:t>
+              <a:t>3/10/2014</a:t>
             </a:fld>
             <a:endParaRPr lang="en-US" dirty="0"/>
           </a:p>
@@ -4468,7 +4785,7 @@
           <a:p>
             <a:fld id="{D54F01B2-FDE9-41F6-B68A-C906AA4D06D7}" type="datetime1">
               <a:rPr lang="en-US" smtClean="0"/>
-              <a:t>3/7/2014</a:t>
+              <a:t>3/10/2014</a:t>
             </a:fld>
             <a:endParaRPr lang="en-US" dirty="0"/>
           </a:p>
@@ -4915,7 +5232,7 @@
           <a:p>
             <a:fld id="{AC888BB0-A1C9-4001-83FA-B48A253950DB}" type="datetime1">
               <a:rPr lang="en-US" smtClean="0"/>
-              <a:t>3/7/2014</a:t>
+              <a:t>3/10/2014</a:t>
             </a:fld>
             <a:endParaRPr lang="en-US" dirty="0"/>
           </a:p>
@@ -5038,7 +5355,7 @@
           <a:p>
             <a:fld id="{07B90618-DEC0-4D1E-A31C-5B51405B78A8}" type="datetime1">
               <a:rPr lang="en-US" smtClean="0"/>
-              <a:t>3/7/2014</a:t>
+              <a:t>3/10/2014</a:t>
             </a:fld>
             <a:endParaRPr lang="en-US" dirty="0"/>
           </a:p>
@@ -5138,7 +5455,7 @@
           <a:p>
             <a:fld id="{A4EBAB1F-1BAF-4ED0-A959-8FBF30BF62E5}" type="datetime1">
               <a:rPr lang="en-US" smtClean="0"/>
-              <a:t>3/7/2014</a:t>
+              <a:t>3/10/2014</a:t>
             </a:fld>
             <a:endParaRPr lang="en-US" dirty="0"/>
           </a:p>
@@ -5426,7 +5743,7 @@
           <a:p>
             <a:fld id="{360A64AE-B214-4A32-8DC3-AD05D1F3F6D5}" type="datetime1">
               <a:rPr lang="en-US" smtClean="0"/>
-              <a:t>3/7/2014</a:t>
+              <a:t>3/10/2014</a:t>
             </a:fld>
             <a:endParaRPr lang="en-US" dirty="0"/>
           </a:p>
@@ -5722,7 +6039,7 @@
           <a:p>
             <a:fld id="{D23061F0-A9B9-4543-A1CA-5BA651169659}" type="datetime1">
               <a:rPr lang="en-US" smtClean="0"/>
-              <a:t>3/7/2014</a:t>
+              <a:t>3/10/2014</a:t>
             </a:fld>
             <a:endParaRPr lang="en-US" dirty="0"/>
           </a:p>
@@ -6253,7 +6570,7 @@
           <a:p>
             <a:fld id="{66769744-011B-4074-B34A-5BCA902BB4A6}" type="datetime1">
               <a:rPr lang="en-US" smtClean="0"/>
-              <a:t>3/7/2014</a:t>
+              <a:t>3/10/2014</a:t>
             </a:fld>
             <a:endParaRPr lang="en-US" dirty="0"/>
           </a:p>
@@ -7687,7 +8004,9 @@
         </p:nvSpPr>
         <p:spPr/>
         <p:txBody>
-          <a:bodyPr/>
+          <a:bodyPr>
+            <a:normAutofit lnSpcReduction="10000"/>
+          </a:bodyPr>
           <a:lstStyle/>
           <a:p>
             <a:r>
@@ -7699,8 +8018,26 @@
             <a:pPr lvl="1"/>
             <a:r>
               <a:rPr lang="de-DE" dirty="0" smtClean="0"/>
-              <a:t>Enthält Liste aller Services</a:t>
-            </a:r>
+              <a:t>Enthält Liste aller </a:t>
+            </a:r>
+            <a:r>
+              <a:rPr lang="de-DE" dirty="0" smtClean="0"/>
+              <a:t>Services</a:t>
+            </a:r>
+          </a:p>
+          <a:p>
+            <a:pPr lvl="1"/>
+            <a:r>
+              <a:rPr lang="de-DE" dirty="0" smtClean="0"/>
+              <a:t>Zuordnung IP </a:t>
+            </a:r>
+            <a:r>
+              <a:rPr lang="de-DE" dirty="0" smtClean="0">
+                <a:sym typeface="Wingdings" panose="05000000000000000000" pitchFamily="2" charset="2"/>
+              </a:rPr>
+              <a:t> Servicename</a:t>
+            </a:r>
+            <a:endParaRPr lang="de-DE" dirty="0" smtClean="0"/>
           </a:p>
           <a:p>
             <a:r>
@@ -8016,11 +8353,7 @@
             <a:pPr lvl="1"/>
             <a:r>
               <a:rPr lang="de-DE" dirty="0" smtClean="0"/>
-              <a:t>Und </a:t>
-            </a:r>
-            <a:r>
-              <a:rPr lang="de-DE" dirty="0" smtClean="0"/>
-              <a:t>Realisierung</a:t>
+              <a:t>Und Realisierung</a:t>
             </a:r>
           </a:p>
           <a:p>
@@ -8158,6 +8491,179 @@
               <a:rPr lang="en-US" smtClean="0"/>
               <a:pPr/>
               <a:t>8</a:t>
+            </a:fld>
+            <a:endParaRPr lang="en-US" dirty="0"/>
+          </a:p>
+        </p:txBody>
+      </p:sp>
+      <p:pic>
+        <p:nvPicPr>
+          <p:cNvPr id="4" name="Grafik 3"/>
+          <p:cNvPicPr>
+            <a:picLocks noChangeAspect="1"/>
+          </p:cNvPicPr>
+          <p:nvPr/>
+        </p:nvPicPr>
+        <p:blipFill>
+          <a:blip r:embed="rId2">
+            <a:extLst>
+              <a:ext uri="{28A0092B-C50C-407E-A947-70E740481C1C}">
+                <a14:useLocalDpi xmlns:a14="http://schemas.microsoft.com/office/drawing/2010/main" val="0"/>
+              </a:ext>
+            </a:extLst>
+          </a:blip>
+          <a:stretch>
+            <a:fillRect/>
+          </a:stretch>
+        </p:blipFill>
+        <p:spPr>
+          <a:xfrm>
+            <a:off x="2902914" y="1469571"/>
+            <a:ext cx="6414801" cy="3807311"/>
+          </a:xfrm>
+          <a:prstGeom prst="rect">
+            <a:avLst/>
+          </a:prstGeom>
+        </p:spPr>
+      </p:pic>
+    </p:spTree>
+    <p:extLst>
+      <p:ext uri="{BB962C8B-B14F-4D97-AF65-F5344CB8AC3E}">
+        <p14:creationId xmlns:p14="http://schemas.microsoft.com/office/powerpoint/2010/main" val="1075050752"/>
+      </p:ext>
+    </p:extLst>
+  </p:cSld>
+  <p:clrMapOvr>
+    <a:masterClrMapping/>
+  </p:clrMapOvr>
+  <p:timing>
+    <p:tnLst>
+      <p:par>
+        <p:cTn id="1" dur="indefinite" restart="never" nodeType="tmRoot">
+          <p:childTnLst>
+            <p:seq concurrent="1" nextAc="seek">
+              <p:cTn id="2" dur="indefinite" nodeType="mainSeq">
+                <p:childTnLst>
+                  <p:par>
+                    <p:cTn id="3" fill="hold">
+                      <p:stCondLst>
+                        <p:cond delay="indefinite"/>
+                      </p:stCondLst>
+                      <p:childTnLst>
+                        <p:par>
+                          <p:cTn id="4" fill="hold">
+                            <p:stCondLst>
+                              <p:cond delay="0"/>
+                            </p:stCondLst>
+                            <p:childTnLst>
+                              <p:par>
+                                <p:cTn id="5" presetID="6" presetClass="emph" presetSubtype="0" fill="hold" nodeType="clickEffect">
+                                  <p:stCondLst>
+                                    <p:cond delay="0"/>
+                                  </p:stCondLst>
+                                  <p:childTnLst>
+                                    <p:animScale>
+                                      <p:cBhvr>
+                                        <p:cTn id="6" dur="2000" fill="hold"/>
+                                        <p:tgtEl>
+                                          <p:spTgt spid="4"/>
+                                        </p:tgtEl>
+                                      </p:cBhvr>
+                                      <p:by x="150000" y="150000"/>
+                                    </p:animScale>
+                                  </p:childTnLst>
+                                </p:cTn>
+                              </p:par>
+                            </p:childTnLst>
+                          </p:cTn>
+                        </p:par>
+                      </p:childTnLst>
+                    </p:cTn>
+                  </p:par>
+                </p:childTnLst>
+              </p:cTn>
+              <p:prevCondLst>
+                <p:cond evt="onPrev" delay="0">
+                  <p:tgtEl>
+                    <p:sldTgt/>
+                  </p:tgtEl>
+                </p:cond>
+              </p:prevCondLst>
+              <p:nextCondLst>
+                <p:cond evt="onNext" delay="0">
+                  <p:tgtEl>
+                    <p:sldTgt/>
+                  </p:tgtEl>
+                </p:cond>
+              </p:nextCondLst>
+            </p:seq>
+          </p:childTnLst>
+        </p:cTn>
+      </p:par>
+    </p:tnLst>
+  </p:timing>
+</p:sld>
+</file>
+
+<file path=ppt/slides/slide9.xml><?xml version="1.0" encoding="utf-8"?>
+<p:sld xmlns:a="http://schemas.openxmlformats.org/drawingml/2006/main" xmlns:r="http://schemas.openxmlformats.org/officeDocument/2006/relationships" xmlns:p="http://schemas.openxmlformats.org/presentationml/2006/main">
+  <p:cSld>
+    <p:spTree>
+      <p:nvGrpSpPr>
+        <p:cNvPr id="1" name=""/>
+        <p:cNvGrpSpPr/>
+        <p:nvPr/>
+      </p:nvGrpSpPr>
+      <p:grpSpPr>
+        <a:xfrm>
+          <a:off x="0" y="0"/>
+          <a:ext cx="0" cy="0"/>
+          <a:chOff x="0" y="0"/>
+          <a:chExt cx="0" cy="0"/>
+        </a:xfrm>
+      </p:grpSpPr>
+      <p:sp>
+        <p:nvSpPr>
+          <p:cNvPr id="2" name="Fußzeilenplatzhalter 1"/>
+          <p:cNvSpPr>
+            <a:spLocks noGrp="1"/>
+          </p:cNvSpPr>
+          <p:nvPr>
+            <p:ph type="ftr" sz="quarter" idx="11"/>
+          </p:nvPr>
+        </p:nvSpPr>
+        <p:spPr/>
+        <p:txBody>
+          <a:bodyPr/>
+          <a:lstStyle/>
+          <a:p>
+            <a:r>
+              <a:rPr lang="en-US" smtClean="0"/>
+              <a:t>Service Composition - Ewen / Zipfler</a:t>
+            </a:r>
+            <a:endParaRPr lang="en-US" dirty="0"/>
+          </a:p>
+        </p:txBody>
+      </p:sp>
+      <p:sp>
+        <p:nvSpPr>
+          <p:cNvPr id="3" name="Foliennummernplatzhalter 2"/>
+          <p:cNvSpPr>
+            <a:spLocks noGrp="1"/>
+          </p:cNvSpPr>
+          <p:nvPr>
+            <p:ph type="sldNum" sz="quarter" idx="12"/>
+          </p:nvPr>
+        </p:nvSpPr>
+        <p:spPr/>
+        <p:txBody>
+          <a:bodyPr/>
+          <a:lstStyle/>
+          <a:p>
+            <a:fld id="{D57F1E4F-1CFF-5643-939E-217C01CDF565}" type="slidenum">
+              <a:rPr lang="en-US" smtClean="0"/>
+              <a:pPr/>
+              <a:t>9</a:t>
             </a:fld>
             <a:endParaRPr lang="en-US" dirty="0"/>
           </a:p>
@@ -8234,179 +8740,6 @@
                                         <p:cTn id="6" dur="2000" fill="hold"/>
                                         <p:tgtEl>
                                           <p:spTgt spid="5"/>
-                                        </p:tgtEl>
-                                      </p:cBhvr>
-                                      <p:by x="150000" y="150000"/>
-                                    </p:animScale>
-                                  </p:childTnLst>
-                                </p:cTn>
-                              </p:par>
-                            </p:childTnLst>
-                          </p:cTn>
-                        </p:par>
-                      </p:childTnLst>
-                    </p:cTn>
-                  </p:par>
-                </p:childTnLst>
-              </p:cTn>
-              <p:prevCondLst>
-                <p:cond evt="onPrev" delay="0">
-                  <p:tgtEl>
-                    <p:sldTgt/>
-                  </p:tgtEl>
-                </p:cond>
-              </p:prevCondLst>
-              <p:nextCondLst>
-                <p:cond evt="onNext" delay="0">
-                  <p:tgtEl>
-                    <p:sldTgt/>
-                  </p:tgtEl>
-                </p:cond>
-              </p:nextCondLst>
-            </p:seq>
-          </p:childTnLst>
-        </p:cTn>
-      </p:par>
-    </p:tnLst>
-  </p:timing>
-</p:sld>
-</file>
-
-<file path=ppt/slides/slide9.xml><?xml version="1.0" encoding="utf-8"?>
-<p:sld xmlns:a="http://schemas.openxmlformats.org/drawingml/2006/main" xmlns:r="http://schemas.openxmlformats.org/officeDocument/2006/relationships" xmlns:p="http://schemas.openxmlformats.org/presentationml/2006/main">
-  <p:cSld>
-    <p:spTree>
-      <p:nvGrpSpPr>
-        <p:cNvPr id="1" name=""/>
-        <p:cNvGrpSpPr/>
-        <p:nvPr/>
-      </p:nvGrpSpPr>
-      <p:grpSpPr>
-        <a:xfrm>
-          <a:off x="0" y="0"/>
-          <a:ext cx="0" cy="0"/>
-          <a:chOff x="0" y="0"/>
-          <a:chExt cx="0" cy="0"/>
-        </a:xfrm>
-      </p:grpSpPr>
-      <p:sp>
-        <p:nvSpPr>
-          <p:cNvPr id="2" name="Fußzeilenplatzhalter 1"/>
-          <p:cNvSpPr>
-            <a:spLocks noGrp="1"/>
-          </p:cNvSpPr>
-          <p:nvPr>
-            <p:ph type="ftr" sz="quarter" idx="11"/>
-          </p:nvPr>
-        </p:nvSpPr>
-        <p:spPr/>
-        <p:txBody>
-          <a:bodyPr/>
-          <a:lstStyle/>
-          <a:p>
-            <a:r>
-              <a:rPr lang="en-US" smtClean="0"/>
-              <a:t>Service Composition - Ewen / Zipfler</a:t>
-            </a:r>
-            <a:endParaRPr lang="en-US" dirty="0"/>
-          </a:p>
-        </p:txBody>
-      </p:sp>
-      <p:sp>
-        <p:nvSpPr>
-          <p:cNvPr id="3" name="Foliennummernplatzhalter 2"/>
-          <p:cNvSpPr>
-            <a:spLocks noGrp="1"/>
-          </p:cNvSpPr>
-          <p:nvPr>
-            <p:ph type="sldNum" sz="quarter" idx="12"/>
-          </p:nvPr>
-        </p:nvSpPr>
-        <p:spPr/>
-        <p:txBody>
-          <a:bodyPr/>
-          <a:lstStyle/>
-          <a:p>
-            <a:fld id="{D57F1E4F-1CFF-5643-939E-217C01CDF565}" type="slidenum">
-              <a:rPr lang="en-US" smtClean="0"/>
-              <a:pPr/>
-              <a:t>9</a:t>
-            </a:fld>
-            <a:endParaRPr lang="en-US" dirty="0"/>
-          </a:p>
-        </p:txBody>
-      </p:sp>
-      <p:pic>
-        <p:nvPicPr>
-          <p:cNvPr id="4" name="Grafik 3"/>
-          <p:cNvPicPr>
-            <a:picLocks noChangeAspect="1"/>
-          </p:cNvPicPr>
-          <p:nvPr/>
-        </p:nvPicPr>
-        <p:blipFill>
-          <a:blip r:embed="rId2">
-            <a:extLst>
-              <a:ext uri="{28A0092B-C50C-407E-A947-70E740481C1C}">
-                <a14:useLocalDpi xmlns:a14="http://schemas.microsoft.com/office/drawing/2010/main" val="0"/>
-              </a:ext>
-            </a:extLst>
-          </a:blip>
-          <a:stretch>
-            <a:fillRect/>
-          </a:stretch>
-        </p:blipFill>
-        <p:spPr>
-          <a:xfrm>
-            <a:off x="2902914" y="1469571"/>
-            <a:ext cx="6414801" cy="3807311"/>
-          </a:xfrm>
-          <a:prstGeom prst="rect">
-            <a:avLst/>
-          </a:prstGeom>
-        </p:spPr>
-      </p:pic>
-    </p:spTree>
-    <p:extLst>
-      <p:ext uri="{BB962C8B-B14F-4D97-AF65-F5344CB8AC3E}">
-        <p14:creationId xmlns:p14="http://schemas.microsoft.com/office/powerpoint/2010/main" val="1075050752"/>
-      </p:ext>
-    </p:extLst>
-  </p:cSld>
-  <p:clrMapOvr>
-    <a:masterClrMapping/>
-  </p:clrMapOvr>
-  <p:timing>
-    <p:tnLst>
-      <p:par>
-        <p:cTn id="1" dur="indefinite" restart="never" nodeType="tmRoot">
-          <p:childTnLst>
-            <p:seq concurrent="1" nextAc="seek">
-              <p:cTn id="2" dur="indefinite" nodeType="mainSeq">
-                <p:childTnLst>
-                  <p:par>
-                    <p:cTn id="3" fill="hold">
-                      <p:stCondLst>
-                        <p:cond delay="indefinite"/>
-                      </p:stCondLst>
-                      <p:childTnLst>
-                        <p:par>
-                          <p:cTn id="4" fill="hold">
-                            <p:stCondLst>
-                              <p:cond delay="0"/>
-                            </p:stCondLst>
-                            <p:childTnLst>
-                              <p:par>
-                                <p:cTn id="5" presetID="6" presetClass="emph" presetSubtype="0" fill="hold" nodeType="clickEffect">
-                                  <p:stCondLst>
-                                    <p:cond delay="0"/>
-                                  </p:stCondLst>
-                                  <p:childTnLst>
-                                    <p:animScale>
-                                      <p:cBhvr>
-                                        <p:cTn id="6" dur="2000" fill="hold"/>
-                                        <p:tgtEl>
-                                          <p:spTgt spid="4"/>
                                         </p:tgtEl>
                                       </p:cBhvr>
                                       <p:by x="150000" y="150000"/>
@@ -8695,7 +9028,7 @@
   <a:extraClrSchemeLst/>
   <a:extLst>
     <a:ext uri="{05A4C25C-085E-4340-85A3-A5531E510DB2}">
-      <thm15:themeFamily xmlns:thm15="http://schemas.microsoft.com/office/thememl/2012/main" name="Parallax" id="{3388167B-A2EB-4685-9635-1831D9AEF8C4}" vid="{4F7A876A-7598-49CA-AFC8-8EDA2551E4A7}"/>
+      <thm15:themeFamily xmlns:thm15="http://schemas.microsoft.com/office/thememl/2012/main" xmlns="" name="Parallax" id="{3388167B-A2EB-4685-9635-1831D9AEF8C4}" vid="{4F7A876A-7598-49CA-AFC8-8EDA2551E4A7}"/>
     </a:ext>
   </a:extLst>
 </a:theme>
@@ -8956,8 +9289,293 @@
   <a:extraClrSchemeLst/>
   <a:extLst>
     <a:ext uri="{05A4C25C-085E-4340-85A3-A5531E510DB2}">
-      <thm15:themeFamily xmlns:thm15="http://schemas.microsoft.com/office/thememl/2012/main" name="Office Theme" id="{62F939B6-93AF-4DB8-9C6B-D6C7DFDC589F}" vid="{4A3C46E8-61CC-4603-A589-7422A47A8E4A}"/>
+      <thm15:themeFamily xmlns:thm15="http://schemas.microsoft.com/office/thememl/2012/main" xmlns="" name="Office Theme" id="{62F939B6-93AF-4DB8-9C6B-D6C7DFDC589F}" vid="{4A3C46E8-61CC-4603-A589-7422A47A8E4A}"/>
     </a:ext>
   </a:extLst>
 </a:theme>
+</file>
+
+<file path=ppt/theme/theme3.xml><?xml version="1.0" encoding="utf-8"?>
+<a:theme xmlns:a="http://schemas.openxmlformats.org/drawingml/2006/main" name="Larissa">
+  <a:themeElements>
+    <a:clrScheme name="Larissa">
+      <a:dk1>
+        <a:sysClr val="windowText" lastClr="000000"/>
+      </a:dk1>
+      <a:lt1>
+        <a:sysClr val="window" lastClr="FFFFFF"/>
+      </a:lt1>
+      <a:dk2>
+        <a:srgbClr val="1F497D"/>
+      </a:dk2>
+      <a:lt2>
+        <a:srgbClr val="EEECE1"/>
+      </a:lt2>
+      <a:accent1>
+        <a:srgbClr val="4F81BD"/>
+      </a:accent1>
+      <a:accent2>
+        <a:srgbClr val="C0504D"/>
+      </a:accent2>
+      <a:accent3>
+        <a:srgbClr val="9BBB59"/>
+      </a:accent3>
+      <a:accent4>
+        <a:srgbClr val="8064A2"/>
+      </a:accent4>
+      <a:accent5>
+        <a:srgbClr val="4BACC6"/>
+      </a:accent5>
+      <a:accent6>
+        <a:srgbClr val="F79646"/>
+      </a:accent6>
+      <a:hlink>
+        <a:srgbClr val="0000FF"/>
+      </a:hlink>
+      <a:folHlink>
+        <a:srgbClr val="800080"/>
+      </a:folHlink>
+    </a:clrScheme>
+    <a:fontScheme name="Larissa">
+      <a:majorFont>
+        <a:latin typeface="Calibri"/>
+        <a:ea typeface=""/>
+        <a:cs typeface=""/>
+        <a:font script="Jpan" typeface="ＭＳ Ｐゴシック"/>
+        <a:font script="Hang" typeface="맑은 고딕"/>
+        <a:font script="Hans" typeface="宋体"/>
+        <a:font script="Hant" typeface="新細明體"/>
+        <a:font script="Arab" typeface="Times New Roman"/>
+        <a:font script="Hebr" typeface="Times New Roman"/>
+        <a:font script="Thai" typeface="Angsana New"/>
+        <a:font script="Ethi" typeface="Nyala"/>
+        <a:font script="Beng" typeface="Vrinda"/>
+        <a:font script="Gujr" typeface="Shruti"/>
+        <a:font script="Khmr" typeface="MoolBoran"/>
+        <a:font script="Knda" typeface="Tunga"/>
+        <a:font script="Guru" typeface="Raavi"/>
+        <a:font script="Cans" typeface="Euphemia"/>
+        <a:font script="Cher" typeface="Plantagenet Cherokee"/>
+        <a:font script="Yiii" typeface="Microsoft Yi Baiti"/>
+        <a:font script="Tibt" typeface="Microsoft Himalaya"/>
+        <a:font script="Thaa" typeface="MV Boli"/>
+        <a:font script="Deva" typeface="Mangal"/>
+        <a:font script="Telu" typeface="Gautami"/>
+        <a:font script="Taml" typeface="Latha"/>
+        <a:font script="Syrc" typeface="Estrangelo Edessa"/>
+        <a:font script="Orya" typeface="Kalinga"/>
+        <a:font script="Mlym" typeface="Kartika"/>
+        <a:font script="Laoo" typeface="DokChampa"/>
+        <a:font script="Sinh" typeface="Iskoola Pota"/>
+        <a:font script="Mong" typeface="Mongolian Baiti"/>
+        <a:font script="Viet" typeface="Times New Roman"/>
+        <a:font script="Uigh" typeface="Microsoft Uighur"/>
+        <a:font script="Geor" typeface="Sylfaen"/>
+      </a:majorFont>
+      <a:minorFont>
+        <a:latin typeface="Calibri"/>
+        <a:ea typeface=""/>
+        <a:cs typeface=""/>
+        <a:font script="Jpan" typeface="ＭＳ Ｐゴシック"/>
+        <a:font script="Hang" typeface="맑은 고딕"/>
+        <a:font script="Hans" typeface="宋体"/>
+        <a:font script="Hant" typeface="新細明體"/>
+        <a:font script="Arab" typeface="Arial"/>
+        <a:font script="Hebr" typeface="Arial"/>
+        <a:font script="Thai" typeface="Cordia New"/>
+        <a:font script="Ethi" typeface="Nyala"/>
+        <a:font script="Beng" typeface="Vrinda"/>
+        <a:font script="Gujr" typeface="Shruti"/>
+        <a:font script="Khmr" typeface="DaunPenh"/>
+        <a:font script="Knda" typeface="Tunga"/>
+        <a:font script="Guru" typeface="Raavi"/>
+        <a:font script="Cans" typeface="Euphemia"/>
+        <a:font script="Cher" typeface="Plantagenet Cherokee"/>
+        <a:font script="Yiii" typeface="Microsoft Yi Baiti"/>
+        <a:font script="Tibt" typeface="Microsoft Himalaya"/>
+        <a:font script="Thaa" typeface="MV Boli"/>
+        <a:font script="Deva" typeface="Mangal"/>
+        <a:font script="Telu" typeface="Gautami"/>
+        <a:font script="Taml" typeface="Latha"/>
+        <a:font script="Syrc" typeface="Estrangelo Edessa"/>
+        <a:font script="Orya" typeface="Kalinga"/>
+        <a:font script="Mlym" typeface="Kartika"/>
+        <a:font script="Laoo" typeface="DokChampa"/>
+        <a:font script="Sinh" typeface="Iskoola Pota"/>
+        <a:font script="Mong" typeface="Mongolian Baiti"/>
+        <a:font script="Viet" typeface="Arial"/>
+        <a:font script="Uigh" typeface="Microsoft Uighur"/>
+        <a:font script="Geor" typeface="Sylfaen"/>
+      </a:minorFont>
+    </a:fontScheme>
+    <a:fmtScheme name="Larissa">
+      <a:fillStyleLst>
+        <a:solidFill>
+          <a:schemeClr val="phClr"/>
+        </a:solidFill>
+        <a:gradFill rotWithShape="1">
+          <a:gsLst>
+            <a:gs pos="0">
+              <a:schemeClr val="phClr">
+                <a:tint val="50000"/>
+                <a:satMod val="300000"/>
+              </a:schemeClr>
+            </a:gs>
+            <a:gs pos="35000">
+              <a:schemeClr val="phClr">
+                <a:tint val="37000"/>
+                <a:satMod val="300000"/>
+              </a:schemeClr>
+            </a:gs>
+            <a:gs pos="100000">
+              <a:schemeClr val="phClr">
+                <a:tint val="15000"/>
+                <a:satMod val="350000"/>
+              </a:schemeClr>
+            </a:gs>
+          </a:gsLst>
+          <a:lin ang="16200000" scaled="1"/>
+        </a:gradFill>
+        <a:gradFill rotWithShape="1">
+          <a:gsLst>
+            <a:gs pos="0">
+              <a:schemeClr val="phClr">
+                <a:shade val="51000"/>
+                <a:satMod val="130000"/>
+              </a:schemeClr>
+            </a:gs>
+            <a:gs pos="80000">
+              <a:schemeClr val="phClr">
+                <a:shade val="93000"/>
+                <a:satMod val="130000"/>
+              </a:schemeClr>
+            </a:gs>
+            <a:gs pos="100000">
+              <a:schemeClr val="phClr">
+                <a:shade val="94000"/>
+                <a:satMod val="135000"/>
+              </a:schemeClr>
+            </a:gs>
+          </a:gsLst>
+          <a:lin ang="16200000" scaled="0"/>
+        </a:gradFill>
+      </a:fillStyleLst>
+      <a:lnStyleLst>
+        <a:ln w="9525" cap="flat" cmpd="sng" algn="ctr">
+          <a:solidFill>
+            <a:schemeClr val="phClr">
+              <a:shade val="95000"/>
+              <a:satMod val="105000"/>
+            </a:schemeClr>
+          </a:solidFill>
+          <a:prstDash val="solid"/>
+        </a:ln>
+        <a:ln w="25400" cap="flat" cmpd="sng" algn="ctr">
+          <a:solidFill>
+            <a:schemeClr val="phClr"/>
+          </a:solidFill>
+          <a:prstDash val="solid"/>
+        </a:ln>
+        <a:ln w="38100" cap="flat" cmpd="sng" algn="ctr">
+          <a:solidFill>
+            <a:schemeClr val="phClr"/>
+          </a:solidFill>
+          <a:prstDash val="solid"/>
+        </a:ln>
+      </a:lnStyleLst>
+      <a:effectStyleLst>
+        <a:effectStyle>
+          <a:effectLst>
+            <a:outerShdw blurRad="40000" dist="20000" dir="5400000" rotWithShape="0">
+              <a:srgbClr val="000000">
+                <a:alpha val="38000"/>
+              </a:srgbClr>
+            </a:outerShdw>
+          </a:effectLst>
+        </a:effectStyle>
+        <a:effectStyle>
+          <a:effectLst>
+            <a:outerShdw blurRad="40000" dist="23000" dir="5400000" rotWithShape="0">
+              <a:srgbClr val="000000">
+                <a:alpha val="35000"/>
+              </a:srgbClr>
+            </a:outerShdw>
+          </a:effectLst>
+        </a:effectStyle>
+        <a:effectStyle>
+          <a:effectLst>
+            <a:outerShdw blurRad="40000" dist="23000" dir="5400000" rotWithShape="0">
+              <a:srgbClr val="000000">
+                <a:alpha val="35000"/>
+              </a:srgbClr>
+            </a:outerShdw>
+          </a:effectLst>
+          <a:scene3d>
+            <a:camera prst="orthographicFront">
+              <a:rot lat="0" lon="0" rev="0"/>
+            </a:camera>
+            <a:lightRig rig="threePt" dir="t">
+              <a:rot lat="0" lon="0" rev="1200000"/>
+            </a:lightRig>
+          </a:scene3d>
+          <a:sp3d>
+            <a:bevelT w="63500" h="25400"/>
+          </a:sp3d>
+        </a:effectStyle>
+      </a:effectStyleLst>
+      <a:bgFillStyleLst>
+        <a:solidFill>
+          <a:schemeClr val="phClr"/>
+        </a:solidFill>
+        <a:gradFill rotWithShape="1">
+          <a:gsLst>
+            <a:gs pos="0">
+              <a:schemeClr val="phClr">
+                <a:tint val="40000"/>
+                <a:satMod val="350000"/>
+              </a:schemeClr>
+            </a:gs>
+            <a:gs pos="40000">
+              <a:schemeClr val="phClr">
+                <a:tint val="45000"/>
+                <a:shade val="99000"/>
+                <a:satMod val="350000"/>
+              </a:schemeClr>
+            </a:gs>
+            <a:gs pos="100000">
+              <a:schemeClr val="phClr">
+                <a:shade val="20000"/>
+                <a:satMod val="255000"/>
+              </a:schemeClr>
+            </a:gs>
+          </a:gsLst>
+          <a:path path="circle">
+            <a:fillToRect l="50000" t="-80000" r="50000" b="180000"/>
+          </a:path>
+        </a:gradFill>
+        <a:gradFill rotWithShape="1">
+          <a:gsLst>
+            <a:gs pos="0">
+              <a:schemeClr val="phClr">
+                <a:tint val="80000"/>
+                <a:satMod val="300000"/>
+              </a:schemeClr>
+            </a:gs>
+            <a:gs pos="100000">
+              <a:schemeClr val="phClr">
+                <a:shade val="30000"/>
+                <a:satMod val="200000"/>
+              </a:schemeClr>
+            </a:gs>
+          </a:gsLst>
+          <a:path path="circle">
+            <a:fillToRect l="50000" t="50000" r="50000" b="50000"/>
+          </a:path>
+        </a:gradFill>
+      </a:bgFillStyleLst>
+    </a:fmtScheme>
+  </a:themeElements>
+  <a:objectDefaults/>
+  <a:extraClrSchemeLst/>
+</a:theme>
 </file>
--- a/doc/slides.pptx
+++ b/doc/slides.pptx
@@ -5,10 +5,10 @@
     <p:sldMasterId id="2147484088" r:id="rId1"/>
   </p:sldMasterIdLst>
   <p:notesMasterIdLst>
-    <p:notesMasterId r:id="rId13"/>
+    <p:notesMasterId r:id="rId14"/>
   </p:notesMasterIdLst>
   <p:handoutMasterIdLst>
-    <p:handoutMasterId r:id="rId14"/>
+    <p:handoutMasterId r:id="rId15"/>
   </p:handoutMasterIdLst>
   <p:sldIdLst>
     <p:sldId id="256" r:id="rId2"/>
@@ -20,8 +20,9 @@
     <p:sldId id="262" r:id="rId8"/>
     <p:sldId id="267" r:id="rId9"/>
     <p:sldId id="263" r:id="rId10"/>
-    <p:sldId id="264" r:id="rId11"/>
-    <p:sldId id="266" r:id="rId12"/>
+    <p:sldId id="269" r:id="rId11"/>
+    <p:sldId id="264" r:id="rId12"/>
+    <p:sldId id="266" r:id="rId13"/>
   </p:sldIdLst>
   <p:sldSz cx="12192000" cy="6858000"/>
   <p:notesSz cx="6858000" cy="9144000"/>
@@ -134,6 +135,7 @@
             <p14:sldId id="262"/>
             <p14:sldId id="267"/>
             <p14:sldId id="263"/>
+            <p14:sldId id="269"/>
             <p14:sldId id="264"/>
             <p14:sldId id="266"/>
           </p14:sldIdLst>
@@ -141,7 +143,7 @@
       </p14:sectionLst>
     </p:ext>
     <p:ext uri="{EFAFB233-063F-42B5-8137-9DF3F51BA10A}">
-      <p15:sldGuideLst xmlns:p15="http://schemas.microsoft.com/office/powerpoint/2012/main" xmlns=""/>
+      <p15:sldGuideLst xmlns="" xmlns:p15="http://schemas.microsoft.com/office/powerpoint/2012/main"/>
     </p:ext>
   </p:extLst>
 </p:presentation>
@@ -7209,49 +7211,7 @@
       </p:grpSpPr>
       <p:sp>
         <p:nvSpPr>
-          <p:cNvPr id="2" name="Titel 1"/>
-          <p:cNvSpPr>
-            <a:spLocks noGrp="1"/>
-          </p:cNvSpPr>
-          <p:nvPr>
-            <p:ph type="title"/>
-          </p:nvPr>
-        </p:nvSpPr>
-        <p:spPr/>
-        <p:txBody>
-          <a:bodyPr/>
-          <a:lstStyle/>
-          <a:p>
-            <a:r>
-              <a:rPr lang="de-DE" dirty="0" smtClean="0"/>
-              <a:t>Live Demonstration</a:t>
-            </a:r>
-            <a:endParaRPr lang="de-DE" dirty="0"/>
-          </a:p>
-        </p:txBody>
-      </p:sp>
-      <p:sp>
-        <p:nvSpPr>
-          <p:cNvPr id="3" name="Textplatzhalter 2"/>
-          <p:cNvSpPr>
-            <a:spLocks noGrp="1"/>
-          </p:cNvSpPr>
-          <p:nvPr>
-            <p:ph type="body" idx="1"/>
-          </p:nvPr>
-        </p:nvSpPr>
-        <p:spPr/>
-        <p:txBody>
-          <a:bodyPr/>
-          <a:lstStyle/>
-          <a:p>
-            <a:endParaRPr lang="de-DE"/>
-          </a:p>
-        </p:txBody>
-      </p:sp>
-      <p:sp>
-        <p:nvSpPr>
-          <p:cNvPr id="4" name="Fußzeilenplatzhalter 3"/>
+          <p:cNvPr id="2" name="Fußzeilenplatzhalter 1"/>
           <p:cNvSpPr>
             <a:spLocks noGrp="1"/>
           </p:cNvSpPr>
@@ -7274,7 +7234,7 @@
       </p:sp>
       <p:sp>
         <p:nvSpPr>
-          <p:cNvPr id="5" name="Foliennummernplatzhalter 4"/>
+          <p:cNvPr id="3" name="Foliennummernplatzhalter 2"/>
           <p:cNvSpPr>
             <a:spLocks noGrp="1"/>
           </p:cNvSpPr>
@@ -7291,6 +7251,209 @@
               <a:rPr lang="en-US" smtClean="0"/>
               <a:pPr/>
               <a:t>10</a:t>
+            </a:fld>
+            <a:endParaRPr lang="en-US" dirty="0"/>
+          </a:p>
+        </p:txBody>
+      </p:sp>
+      <p:pic>
+        <p:nvPicPr>
+          <p:cNvPr id="1026" name="Picture 2"/>
+          <p:cNvPicPr>
+            <a:picLocks noChangeAspect="1" noChangeArrowheads="1"/>
+          </p:cNvPicPr>
+          <p:nvPr/>
+        </p:nvPicPr>
+        <p:blipFill>
+          <a:blip r:embed="rId2">
+            <a:extLst>
+              <a:ext uri="{28A0092B-C50C-407E-A947-70E740481C1C}">
+                <a14:useLocalDpi xmlns:a14="http://schemas.microsoft.com/office/drawing/2010/main" val="0"/>
+              </a:ext>
+            </a:extLst>
+          </a:blip>
+          <a:srcRect/>
+          <a:stretch>
+            <a:fillRect/>
+          </a:stretch>
+        </p:blipFill>
+        <p:spPr bwMode="auto">
+          <a:xfrm>
+            <a:off x="3087273" y="1068244"/>
+            <a:ext cx="7251901" cy="4659542"/>
+          </a:xfrm>
+          <a:prstGeom prst="rect">
+            <a:avLst/>
+          </a:prstGeom>
+          <a:noFill/>
+          <a:ln>
+            <a:noFill/>
+          </a:ln>
+          <a:extLst>
+            <a:ext uri="{909E8E84-426E-40DD-AFC4-6F175D3DCCD1}">
+              <a14:hiddenFill xmlns:a14="http://schemas.microsoft.com/office/drawing/2010/main">
+                <a:solidFill>
+                  <a:schemeClr val="accent1"/>
+                </a:solidFill>
+              </a14:hiddenFill>
+            </a:ext>
+            <a:ext uri="{91240B29-F687-4F45-9708-019B960494DF}">
+              <a14:hiddenLine xmlns:a14="http://schemas.microsoft.com/office/drawing/2010/main" w="9525">
+                <a:solidFill>
+                  <a:schemeClr val="tx1"/>
+                </a:solidFill>
+                <a:miter lim="800000"/>
+                <a:headEnd/>
+                <a:tailEnd/>
+              </a14:hiddenLine>
+            </a:ext>
+          </a:extLst>
+        </p:spPr>
+      </p:pic>
+      <p:sp>
+        <p:nvSpPr>
+          <p:cNvPr id="5" name="Textfeld 4"/>
+          <p:cNvSpPr txBox="1"/>
+          <p:nvPr/>
+        </p:nvSpPr>
+        <p:spPr>
+          <a:xfrm>
+            <a:off x="5034335" y="698912"/>
+            <a:ext cx="3357779" cy="369332"/>
+          </a:xfrm>
+          <a:prstGeom prst="rect">
+            <a:avLst/>
+          </a:prstGeom>
+          <a:noFill/>
+        </p:spPr>
+        <p:txBody>
+          <a:bodyPr wrap="none" rtlCol="0">
+            <a:spAutoFit/>
+          </a:bodyPr>
+          <a:lstStyle/>
+          <a:p>
+            <a:r>
+              <a:rPr lang="de-DE" dirty="0" smtClean="0"/>
+              <a:t>Beispiel: Definition eines Services</a:t>
+            </a:r>
+            <a:endParaRPr lang="de-DE" dirty="0"/>
+          </a:p>
+        </p:txBody>
+      </p:sp>
+    </p:spTree>
+    <p:extLst>
+      <p:ext uri="{BB962C8B-B14F-4D97-AF65-F5344CB8AC3E}">
+        <p14:creationId xmlns:p14="http://schemas.microsoft.com/office/powerpoint/2010/main" val="2181799189"/>
+      </p:ext>
+    </p:extLst>
+  </p:cSld>
+  <p:clrMapOvr>
+    <a:masterClrMapping/>
+  </p:clrMapOvr>
+</p:sld>
+</file>
+
+<file path=ppt/slides/slide11.xml><?xml version="1.0" encoding="utf-8"?>
+<p:sld xmlns:a="http://schemas.openxmlformats.org/drawingml/2006/main" xmlns:r="http://schemas.openxmlformats.org/officeDocument/2006/relationships" xmlns:p="http://schemas.openxmlformats.org/presentationml/2006/main">
+  <p:cSld>
+    <p:spTree>
+      <p:nvGrpSpPr>
+        <p:cNvPr id="1" name=""/>
+        <p:cNvGrpSpPr/>
+        <p:nvPr/>
+      </p:nvGrpSpPr>
+      <p:grpSpPr>
+        <a:xfrm>
+          <a:off x="0" y="0"/>
+          <a:ext cx="0" cy="0"/>
+          <a:chOff x="0" y="0"/>
+          <a:chExt cx="0" cy="0"/>
+        </a:xfrm>
+      </p:grpSpPr>
+      <p:sp>
+        <p:nvSpPr>
+          <p:cNvPr id="2" name="Titel 1"/>
+          <p:cNvSpPr>
+            <a:spLocks noGrp="1"/>
+          </p:cNvSpPr>
+          <p:nvPr>
+            <p:ph type="title"/>
+          </p:nvPr>
+        </p:nvSpPr>
+        <p:spPr/>
+        <p:txBody>
+          <a:bodyPr/>
+          <a:lstStyle/>
+          <a:p>
+            <a:r>
+              <a:rPr lang="de-DE" dirty="0" smtClean="0"/>
+              <a:t>Live Demonstration</a:t>
+            </a:r>
+            <a:endParaRPr lang="de-DE" dirty="0"/>
+          </a:p>
+        </p:txBody>
+      </p:sp>
+      <p:sp>
+        <p:nvSpPr>
+          <p:cNvPr id="3" name="Textplatzhalter 2"/>
+          <p:cNvSpPr>
+            <a:spLocks noGrp="1"/>
+          </p:cNvSpPr>
+          <p:nvPr>
+            <p:ph type="body" idx="1"/>
+          </p:nvPr>
+        </p:nvSpPr>
+        <p:spPr/>
+        <p:txBody>
+          <a:bodyPr/>
+          <a:lstStyle/>
+          <a:p>
+            <a:endParaRPr lang="de-DE"/>
+          </a:p>
+        </p:txBody>
+      </p:sp>
+      <p:sp>
+        <p:nvSpPr>
+          <p:cNvPr id="4" name="Fußzeilenplatzhalter 3"/>
+          <p:cNvSpPr>
+            <a:spLocks noGrp="1"/>
+          </p:cNvSpPr>
+          <p:nvPr>
+            <p:ph type="ftr" sz="quarter" idx="11"/>
+          </p:nvPr>
+        </p:nvSpPr>
+        <p:spPr/>
+        <p:txBody>
+          <a:bodyPr/>
+          <a:lstStyle/>
+          <a:p>
+            <a:r>
+              <a:rPr lang="en-US" smtClean="0"/>
+              <a:t>Service Composition - Ewen / Zipfler</a:t>
+            </a:r>
+            <a:endParaRPr lang="en-US" dirty="0"/>
+          </a:p>
+        </p:txBody>
+      </p:sp>
+      <p:sp>
+        <p:nvSpPr>
+          <p:cNvPr id="5" name="Foliennummernplatzhalter 4"/>
+          <p:cNvSpPr>
+            <a:spLocks noGrp="1"/>
+          </p:cNvSpPr>
+          <p:nvPr>
+            <p:ph type="sldNum" sz="quarter" idx="12"/>
+          </p:nvPr>
+        </p:nvSpPr>
+        <p:spPr/>
+        <p:txBody>
+          <a:bodyPr/>
+          <a:lstStyle/>
+          <a:p>
+            <a:fld id="{D57F1E4F-1CFF-5643-939E-217C01CDF565}" type="slidenum">
+              <a:rPr lang="en-US" smtClean="0"/>
+              <a:pPr/>
+              <a:t>11</a:t>
             </a:fld>
             <a:endParaRPr lang="en-US" dirty="0"/>
           </a:p>
@@ -7316,7 +7479,7 @@
 </p:sld>
 </file>
 
-<file path=ppt/slides/slide11.xml><?xml version="1.0" encoding="utf-8"?>
+<file path=ppt/slides/slide12.xml><?xml version="1.0" encoding="utf-8"?>
 <p:sld xmlns:a="http://schemas.openxmlformats.org/drawingml/2006/main" xmlns:r="http://schemas.openxmlformats.org/officeDocument/2006/relationships" xmlns:p="http://schemas.openxmlformats.org/presentationml/2006/main">
   <p:cSld>
     <p:spTree>
@@ -7420,7 +7583,7 @@
             <a:fld id="{D57F1E4F-1CFF-5643-939E-217C01CDF565}" type="slidenum">
               <a:rPr lang="en-US" smtClean="0"/>
               <a:pPr/>
-              <a:t>11</a:t>
+              <a:t>12</a:t>
             </a:fld>
             <a:endParaRPr lang="en-US" dirty="0"/>
           </a:p>
@@ -8018,11 +8181,7 @@
             <a:pPr lvl="1"/>
             <a:r>
               <a:rPr lang="de-DE" dirty="0" smtClean="0"/>
-              <a:t>Enthält Liste aller </a:t>
-            </a:r>
-            <a:r>
-              <a:rPr lang="de-DE" dirty="0" smtClean="0"/>
-              <a:t>Services</a:t>
+              <a:t>Enthält Liste aller Services</a:t>
             </a:r>
           </a:p>
           <a:p>
@@ -9028,7 +9187,7 @@
   <a:extraClrSchemeLst/>
   <a:extLst>
     <a:ext uri="{05A4C25C-085E-4340-85A3-A5531E510DB2}">
-      <thm15:themeFamily xmlns:thm15="http://schemas.microsoft.com/office/thememl/2012/main" xmlns="" name="Parallax" id="{3388167B-A2EB-4685-9635-1831D9AEF8C4}" vid="{4F7A876A-7598-49CA-AFC8-8EDA2551E4A7}"/>
+      <thm15:themeFamily xmlns="" xmlns:thm15="http://schemas.microsoft.com/office/thememl/2012/main" name="Parallax" id="{3388167B-A2EB-4685-9635-1831D9AEF8C4}" vid="{4F7A876A-7598-49CA-AFC8-8EDA2551E4A7}"/>
     </a:ext>
   </a:extLst>
 </a:theme>
@@ -9289,7 +9448,7 @@
   <a:extraClrSchemeLst/>
   <a:extLst>
     <a:ext uri="{05A4C25C-085E-4340-85A3-A5531E510DB2}">
-      <thm15:themeFamily xmlns:thm15="http://schemas.microsoft.com/office/thememl/2012/main" xmlns="" name="Office Theme" id="{62F939B6-93AF-4DB8-9C6B-D6C7DFDC589F}" vid="{4A3C46E8-61CC-4603-A589-7422A47A8E4A}"/>
+      <thm15:themeFamily xmlns="" xmlns:thm15="http://schemas.microsoft.com/office/thememl/2012/main" name="Office Theme" id="{62F939B6-93AF-4DB8-9C6B-D6C7DFDC589F}" vid="{4A3C46E8-61CC-4603-A589-7422A47A8E4A}"/>
     </a:ext>
   </a:extLst>
 </a:theme>

--- a/doc/slides.pptx
+++ b/doc/slides.pptx
@@ -143,7 +143,7 @@
       </p14:sectionLst>
     </p:ext>
     <p:ext uri="{EFAFB233-063F-42B5-8137-9DF3F51BA10A}">
-      <p15:sldGuideLst xmlns="" xmlns:p15="http://schemas.microsoft.com/office/powerpoint/2012/main"/>
+      <p15:sldGuideLst xmlns:p15="http://schemas.microsoft.com/office/powerpoint/2012/main" xmlns=""/>
     </p:ext>
   </p:extLst>
 </p:presentation>
@@ -9187,7 +9187,7 @@
   <a:extraClrSchemeLst/>
   <a:extLst>
     <a:ext uri="{05A4C25C-085E-4340-85A3-A5531E510DB2}">
-      <thm15:themeFamily xmlns="" xmlns:thm15="http://schemas.microsoft.com/office/thememl/2012/main" name="Parallax" id="{3388167B-A2EB-4685-9635-1831D9AEF8C4}" vid="{4F7A876A-7598-49CA-AFC8-8EDA2551E4A7}"/>
+      <thm15:themeFamily xmlns:thm15="http://schemas.microsoft.com/office/thememl/2012/main" xmlns="" name="Parallax" id="{3388167B-A2EB-4685-9635-1831D9AEF8C4}" vid="{4F7A876A-7598-49CA-AFC8-8EDA2551E4A7}"/>
     </a:ext>
   </a:extLst>
 </a:theme>
@@ -9448,7 +9448,7 @@
   <a:extraClrSchemeLst/>
   <a:extLst>
     <a:ext uri="{05A4C25C-085E-4340-85A3-A5531E510DB2}">
-      <thm15:themeFamily xmlns="" xmlns:thm15="http://schemas.microsoft.com/office/thememl/2012/main" name="Office Theme" id="{62F939B6-93AF-4DB8-9C6B-D6C7DFDC589F}" vid="{4A3C46E8-61CC-4603-A589-7422A47A8E4A}"/>
+      <thm15:themeFamily xmlns:thm15="http://schemas.microsoft.com/office/thememl/2012/main" xmlns="" name="Office Theme" id="{62F939B6-93AF-4DB8-9C6B-D6C7DFDC589F}" vid="{4A3C46E8-61CC-4603-A589-7422A47A8E4A}"/>
     </a:ext>
   </a:extLst>
 </a:theme>

--- a/doc/slides.pptx
+++ b/doc/slides.pptx
@@ -143,7 +143,7 @@
       </p14:sectionLst>
     </p:ext>
     <p:ext uri="{EFAFB233-063F-42B5-8137-9DF3F51BA10A}">
-      <p15:sldGuideLst xmlns:p15="http://schemas.microsoft.com/office/powerpoint/2012/main" xmlns=""/>
+      <p15:sldGuideLst xmlns="" xmlns:p15="http://schemas.microsoft.com/office/powerpoint/2012/main"/>
     </p:ext>
   </p:extLst>
 </p:presentation>
@@ -231,7 +231,7 @@
           <a:p>
             <a:fld id="{DD724BA5-24EC-496F-B7A8-E06573AA26DB}" type="datetimeFigureOut">
               <a:rPr lang="de-DE" smtClean="0"/>
-              <a:t>10.03.2014</a:t>
+              <a:t>11.03.2014</a:t>
             </a:fld>
             <a:endParaRPr lang="de-DE"/>
           </a:p>
@@ -396,7 +396,7 @@
           <a:p>
             <a:fld id="{4E797B24-1D95-4577-A43C-A1D0C1A024AB}" type="datetimeFigureOut">
               <a:rPr lang="de-DE" smtClean="0"/>
-              <a:t>10.03.2014</a:t>
+              <a:t>11.03.2014</a:t>
             </a:fld>
             <a:endParaRPr lang="de-DE"/>
           </a:p>
@@ -1493,7 +1493,7 @@
           <a:p>
             <a:fld id="{4ACCBD8F-8BD5-4878-B72F-67A403A586FD}" type="datetime1">
               <a:rPr lang="en-US" smtClean="0"/>
-              <a:t>3/10/2014</a:t>
+              <a:t>3/11/2014</a:t>
             </a:fld>
             <a:endParaRPr lang="en-US" dirty="0"/>
           </a:p>
@@ -1794,7 +1794,7 @@
           <a:p>
             <a:fld id="{66769744-011B-4074-B34A-5BCA902BB4A6}" type="datetime1">
               <a:rPr lang="en-US" smtClean="0"/>
-              <a:t>3/10/2014</a:t>
+              <a:t>3/11/2014</a:t>
             </a:fld>
             <a:endParaRPr lang="en-US" dirty="0"/>
           </a:p>
@@ -2048,7 +2048,7 @@
           <a:p>
             <a:fld id="{66769744-011B-4074-B34A-5BCA902BB4A6}" type="datetime1">
               <a:rPr lang="en-US" smtClean="0"/>
-              <a:t>3/10/2014</a:t>
+              <a:t>3/11/2014</a:t>
             </a:fld>
             <a:endParaRPr lang="en-US" dirty="0"/>
           </a:p>
@@ -2594,7 +2594,7 @@
           <a:p>
             <a:fld id="{66769744-011B-4074-B34A-5BCA902BB4A6}" type="datetime1">
               <a:rPr lang="en-US" smtClean="0"/>
-              <a:t>3/10/2014</a:t>
+              <a:t>3/11/2014</a:t>
             </a:fld>
             <a:endParaRPr lang="en-US" dirty="0"/>
           </a:p>
@@ -2848,7 +2848,7 @@
           <a:p>
             <a:fld id="{66769744-011B-4074-B34A-5BCA902BB4A6}" type="datetime1">
               <a:rPr lang="en-US" smtClean="0"/>
-              <a:t>3/10/2014</a:t>
+              <a:t>3/11/2014</a:t>
             </a:fld>
             <a:endParaRPr lang="en-US" dirty="0"/>
           </a:p>
@@ -3386,7 +3386,7 @@
           <a:p>
             <a:fld id="{66769744-011B-4074-B34A-5BCA902BB4A6}" type="datetime1">
               <a:rPr lang="en-US" smtClean="0"/>
-              <a:t>3/10/2014</a:t>
+              <a:t>3/11/2014</a:t>
             </a:fld>
             <a:endParaRPr lang="en-US" dirty="0"/>
           </a:p>
@@ -3689,7 +3689,7 @@
           <a:p>
             <a:fld id="{66769744-011B-4074-B34A-5BCA902BB4A6}" type="datetime1">
               <a:rPr lang="en-US" smtClean="0"/>
-              <a:t>3/10/2014</a:t>
+              <a:t>3/11/2014</a:t>
             </a:fld>
             <a:endParaRPr lang="en-US" dirty="0"/>
           </a:p>
@@ -3869,7 +3869,7 @@
           <a:p>
             <a:fld id="{7758BD52-2550-4FED-BC7D-7D7889CC1C10}" type="datetime1">
               <a:rPr lang="en-US" smtClean="0"/>
-              <a:t>3/10/2014</a:t>
+              <a:t>3/11/2014</a:t>
             </a:fld>
             <a:endParaRPr lang="en-US" dirty="0"/>
           </a:p>
@@ -4054,7 +4054,7 @@
           <a:p>
             <a:fld id="{797CCC56-70E4-423A-8715-205EFC32ADE5}" type="datetime1">
               <a:rPr lang="en-US" smtClean="0"/>
-              <a:t>3/10/2014</a:t>
+              <a:t>3/11/2014</a:t>
             </a:fld>
             <a:endParaRPr lang="en-US" dirty="0"/>
           </a:p>
@@ -4229,7 +4229,7 @@
           <a:p>
             <a:fld id="{98E6506B-3F24-49A0-8BED-701F583E6C21}" type="datetime1">
               <a:rPr lang="en-US" smtClean="0"/>
-              <a:t>3/10/2014</a:t>
+              <a:t>3/11/2014</a:t>
             </a:fld>
             <a:endParaRPr lang="en-US" dirty="0"/>
           </a:p>
@@ -4485,7 +4485,7 @@
           <a:p>
             <a:fld id="{C27FC722-9EF9-4162-A338-E425E75FF1E4}" type="datetime1">
               <a:rPr lang="en-US" smtClean="0"/>
-              <a:t>3/10/2014</a:t>
+              <a:t>3/11/2014</a:t>
             </a:fld>
             <a:endParaRPr lang="en-US" dirty="0"/>
           </a:p>
@@ -4787,7 +4787,7 @@
           <a:p>
             <a:fld id="{D54F01B2-FDE9-41F6-B68A-C906AA4D06D7}" type="datetime1">
               <a:rPr lang="en-US" smtClean="0"/>
-              <a:t>3/10/2014</a:t>
+              <a:t>3/11/2014</a:t>
             </a:fld>
             <a:endParaRPr lang="en-US" dirty="0"/>
           </a:p>
@@ -5234,7 +5234,7 @@
           <a:p>
             <a:fld id="{AC888BB0-A1C9-4001-83FA-B48A253950DB}" type="datetime1">
               <a:rPr lang="en-US" smtClean="0"/>
-              <a:t>3/10/2014</a:t>
+              <a:t>3/11/2014</a:t>
             </a:fld>
             <a:endParaRPr lang="en-US" dirty="0"/>
           </a:p>
@@ -5357,7 +5357,7 @@
           <a:p>
             <a:fld id="{07B90618-DEC0-4D1E-A31C-5B51405B78A8}" type="datetime1">
               <a:rPr lang="en-US" smtClean="0"/>
-              <a:t>3/10/2014</a:t>
+              <a:t>3/11/2014</a:t>
             </a:fld>
             <a:endParaRPr lang="en-US" dirty="0"/>
           </a:p>
@@ -5457,7 +5457,7 @@
           <a:p>
             <a:fld id="{A4EBAB1F-1BAF-4ED0-A959-8FBF30BF62E5}" type="datetime1">
               <a:rPr lang="en-US" smtClean="0"/>
-              <a:t>3/10/2014</a:t>
+              <a:t>3/11/2014</a:t>
             </a:fld>
             <a:endParaRPr lang="en-US" dirty="0"/>
           </a:p>
@@ -5745,7 +5745,7 @@
           <a:p>
             <a:fld id="{360A64AE-B214-4A32-8DC3-AD05D1F3F6D5}" type="datetime1">
               <a:rPr lang="en-US" smtClean="0"/>
-              <a:t>3/10/2014</a:t>
+              <a:t>3/11/2014</a:t>
             </a:fld>
             <a:endParaRPr lang="en-US" dirty="0"/>
           </a:p>
@@ -6041,7 +6041,7 @@
           <a:p>
             <a:fld id="{D23061F0-A9B9-4543-A1CA-5BA651169659}" type="datetime1">
               <a:rPr lang="en-US" smtClean="0"/>
-              <a:t>3/10/2014</a:t>
+              <a:t>3/11/2014</a:t>
             </a:fld>
             <a:endParaRPr lang="en-US" dirty="0"/>
           </a:p>
@@ -6572,7 +6572,7 @@
           <a:p>
             <a:fld id="{66769744-011B-4074-B34A-5BCA902BB4A6}" type="datetime1">
               <a:rPr lang="en-US" smtClean="0"/>
-              <a:t>3/10/2014</a:t>
+              <a:t>3/11/2014</a:t>
             </a:fld>
             <a:endParaRPr lang="en-US" dirty="0"/>
           </a:p>
@@ -7126,7 +7126,7 @@
           <a:p>
             <a:r>
               <a:rPr lang="de-DE" dirty="0" smtClean="0"/>
-              <a:t>Service </a:t>
+              <a:t>Live Service </a:t>
             </a:r>
             <a:r>
               <a:rPr lang="de-DE" dirty="0" err="1" smtClean="0"/>
@@ -7350,6 +7350,13 @@
   <p:clrMapOvr>
     <a:masterClrMapping/>
   </p:clrMapOvr>
+  <p:timing>
+    <p:tnLst>
+      <p:par>
+        <p:cTn id="1" dur="indefinite" restart="never" nodeType="tmRoot"/>
+      </p:par>
+    </p:tnLst>
+  </p:timing>
 </p:sld>
 </file>
 
@@ -7513,7 +7520,19 @@
           <a:p>
             <a:r>
               <a:rPr lang="de-DE" dirty="0" smtClean="0"/>
-              <a:t>Vielen Dank für die Aufmerksamkeit</a:t>
+              <a:t>Vielen Dank für </a:t>
+            </a:r>
+            <a:r>
+              <a:rPr lang="de-DE" dirty="0" smtClean="0"/>
+              <a:t>Ihre</a:t>
+            </a:r>
+            <a:r>
+              <a:rPr lang="de-DE" dirty="0" smtClean="0"/>
+              <a:t> </a:t>
+            </a:r>
+            <a:r>
+              <a:rPr lang="de-DE" dirty="0" smtClean="0"/>
+              <a:t>Aufmerksamkeit</a:t>
             </a:r>
             <a:endParaRPr lang="de-DE" dirty="0"/>
           </a:p>
@@ -7923,7 +7942,11 @@
           <a:p>
             <a:r>
               <a:rPr lang="de-DE" dirty="0" smtClean="0"/>
-              <a:t>Begriffserklärung</a:t>
+              <a:t>Begriffserklärung: Service </a:t>
+            </a:r>
+            <a:r>
+              <a:rPr lang="de-DE" dirty="0" err="1" smtClean="0"/>
+              <a:t>Composition</a:t>
             </a:r>
             <a:endParaRPr lang="de-DE" dirty="0"/>
           </a:p>
@@ -8165,7 +8188,12 @@
             <p:ph idx="1"/>
           </p:nvPr>
         </p:nvSpPr>
-        <p:spPr/>
+        <p:spPr>
+          <a:xfrm>
+            <a:off x="1484310" y="2666999"/>
+            <a:ext cx="4877301" cy="3124201"/>
+          </a:xfrm>
+        </p:spPr>
         <p:txBody>
           <a:bodyPr>
             <a:normAutofit lnSpcReduction="10000"/>
@@ -8188,13 +8216,13 @@
             <a:pPr lvl="1"/>
             <a:r>
               <a:rPr lang="de-DE" dirty="0" smtClean="0"/>
-              <a:t>Zuordnung IP </a:t>
+              <a:t>Zuordnung: </a:t>
             </a:r>
             <a:r>
               <a:rPr lang="de-DE" dirty="0" smtClean="0">
                 <a:sym typeface="Wingdings" panose="05000000000000000000" pitchFamily="2" charset="2"/>
               </a:rPr>
-              <a:t> Servicename</a:t>
+              <a:t>Servicename  Service</a:t>
             </a:r>
             <a:endParaRPr lang="de-DE" dirty="0" smtClean="0"/>
           </a:p>
@@ -8276,6 +8304,296 @@
               <a:t>5</a:t>
             </a:fld>
             <a:endParaRPr lang="en-US" dirty="0"/>
+          </a:p>
+        </p:txBody>
+      </p:sp>
+      <p:sp>
+        <p:nvSpPr>
+          <p:cNvPr id="6" name="Inhaltsplatzhalter 2"/>
+          <p:cNvSpPr txBox="1">
+            <a:spLocks/>
+          </p:cNvSpPr>
+          <p:nvPr/>
+        </p:nvSpPr>
+        <p:spPr>
+          <a:xfrm>
+            <a:off x="6514011" y="2817221"/>
+            <a:ext cx="4877301" cy="3124201"/>
+          </a:xfrm>
+          <a:prstGeom prst="rect">
+            <a:avLst/>
+          </a:prstGeom>
+        </p:spPr>
+        <p:txBody>
+          <a:bodyPr vert="horz" lIns="91440" tIns="45720" rIns="91440" bIns="45720" rtlCol="0" anchor="t">
+            <a:normAutofit/>
+          </a:bodyPr>
+          <a:lstStyle>
+            <a:lvl1pPr marL="285750" indent="-285750" algn="l" defTabSz="457200" rtl="0" eaLnBrk="1" latinLnBrk="0" hangingPunct="1">
+              <a:spcBef>
+                <a:spcPct val="20000"/>
+              </a:spcBef>
+              <a:spcAft>
+                <a:spcPts val="600"/>
+              </a:spcAft>
+              <a:buClr>
+                <a:schemeClr val="accent1">
+                  <a:lumMod val="75000"/>
+                </a:schemeClr>
+              </a:buClr>
+              <a:buSzPct val="145000"/>
+              <a:buFont typeface="Arial"/>
+              <a:buChar char="•"/>
+              <a:defRPr sz="2400" kern="1200" cap="none">
+                <a:solidFill>
+                  <a:schemeClr val="tx1"/>
+                </a:solidFill>
+                <a:effectLst/>
+                <a:latin typeface="+mn-lt"/>
+                <a:ea typeface="+mn-ea"/>
+                <a:cs typeface="+mn-cs"/>
+              </a:defRPr>
+            </a:lvl1pPr>
+            <a:lvl2pPr marL="742950" indent="-285750" algn="l" defTabSz="457200" rtl="0" eaLnBrk="1" latinLnBrk="0" hangingPunct="1">
+              <a:spcBef>
+                <a:spcPct val="20000"/>
+              </a:spcBef>
+              <a:spcAft>
+                <a:spcPts val="600"/>
+              </a:spcAft>
+              <a:buClr>
+                <a:schemeClr val="accent1">
+                  <a:lumMod val="75000"/>
+                </a:schemeClr>
+              </a:buClr>
+              <a:buSzPct val="145000"/>
+              <a:buFont typeface="Arial"/>
+              <a:buChar char="•"/>
+              <a:defRPr sz="2000" kern="1200" cap="none">
+                <a:solidFill>
+                  <a:schemeClr val="tx1"/>
+                </a:solidFill>
+                <a:effectLst/>
+                <a:latin typeface="+mn-lt"/>
+                <a:ea typeface="+mn-ea"/>
+                <a:cs typeface="+mn-cs"/>
+              </a:defRPr>
+            </a:lvl2pPr>
+            <a:lvl3pPr marL="1200150" indent="-285750" algn="l" defTabSz="457200" rtl="0" eaLnBrk="1" latinLnBrk="0" hangingPunct="1">
+              <a:spcBef>
+                <a:spcPct val="20000"/>
+              </a:spcBef>
+              <a:spcAft>
+                <a:spcPts val="600"/>
+              </a:spcAft>
+              <a:buClr>
+                <a:schemeClr val="accent1">
+                  <a:lumMod val="75000"/>
+                </a:schemeClr>
+              </a:buClr>
+              <a:buSzPct val="145000"/>
+              <a:buFont typeface="Arial"/>
+              <a:buChar char="•"/>
+              <a:defRPr sz="1800" kern="1200" cap="none">
+                <a:solidFill>
+                  <a:schemeClr val="tx1"/>
+                </a:solidFill>
+                <a:effectLst/>
+                <a:latin typeface="+mn-lt"/>
+                <a:ea typeface="+mn-ea"/>
+                <a:cs typeface="+mn-cs"/>
+              </a:defRPr>
+            </a:lvl3pPr>
+            <a:lvl4pPr marL="1543050" indent="-171450" algn="l" defTabSz="457200" rtl="0" eaLnBrk="1" latinLnBrk="0" hangingPunct="1">
+              <a:spcBef>
+                <a:spcPct val="20000"/>
+              </a:spcBef>
+              <a:spcAft>
+                <a:spcPts val="600"/>
+              </a:spcAft>
+              <a:buClr>
+                <a:schemeClr val="accent1">
+                  <a:lumMod val="75000"/>
+                </a:schemeClr>
+              </a:buClr>
+              <a:buSzPct val="145000"/>
+              <a:buFont typeface="Arial"/>
+              <a:buChar char="•"/>
+              <a:defRPr sz="1600" kern="1200" cap="none">
+                <a:solidFill>
+                  <a:schemeClr val="tx1"/>
+                </a:solidFill>
+                <a:effectLst/>
+                <a:latin typeface="+mn-lt"/>
+                <a:ea typeface="+mn-ea"/>
+                <a:cs typeface="+mn-cs"/>
+              </a:defRPr>
+            </a:lvl4pPr>
+            <a:lvl5pPr marL="2000250" indent="-171450" algn="l" defTabSz="457200" rtl="0" eaLnBrk="1" latinLnBrk="0" hangingPunct="1">
+              <a:spcBef>
+                <a:spcPct val="20000"/>
+              </a:spcBef>
+              <a:spcAft>
+                <a:spcPts val="600"/>
+              </a:spcAft>
+              <a:buClr>
+                <a:schemeClr val="accent1">
+                  <a:lumMod val="75000"/>
+                </a:schemeClr>
+              </a:buClr>
+              <a:buSzPct val="145000"/>
+              <a:buFont typeface="Arial"/>
+              <a:buChar char="•"/>
+              <a:defRPr sz="1400" kern="1200" cap="none">
+                <a:solidFill>
+                  <a:schemeClr val="tx1"/>
+                </a:solidFill>
+                <a:effectLst/>
+                <a:latin typeface="+mn-lt"/>
+                <a:ea typeface="+mn-ea"/>
+                <a:cs typeface="+mn-cs"/>
+              </a:defRPr>
+            </a:lvl5pPr>
+            <a:lvl6pPr marL="2514600" indent="-228600" algn="l" defTabSz="457200" rtl="0" eaLnBrk="1" latinLnBrk="0" hangingPunct="1">
+              <a:spcBef>
+                <a:spcPct val="20000"/>
+              </a:spcBef>
+              <a:spcAft>
+                <a:spcPts val="600"/>
+              </a:spcAft>
+              <a:buClr>
+                <a:schemeClr val="accent1">
+                  <a:lumMod val="75000"/>
+                </a:schemeClr>
+              </a:buClr>
+              <a:buSzPct val="145000"/>
+              <a:buFont typeface="Arial"/>
+              <a:buChar char="•"/>
+              <a:defRPr sz="1400" kern="1200" cap="none">
+                <a:solidFill>
+                  <a:schemeClr val="tx1"/>
+                </a:solidFill>
+                <a:effectLst/>
+                <a:latin typeface="+mn-lt"/>
+                <a:ea typeface="+mn-ea"/>
+                <a:cs typeface="+mn-cs"/>
+              </a:defRPr>
+            </a:lvl6pPr>
+            <a:lvl7pPr marL="2971800" indent="-228600" algn="l" defTabSz="457200" rtl="0" eaLnBrk="1" latinLnBrk="0" hangingPunct="1">
+              <a:spcBef>
+                <a:spcPct val="20000"/>
+              </a:spcBef>
+              <a:spcAft>
+                <a:spcPts val="600"/>
+              </a:spcAft>
+              <a:buClr>
+                <a:schemeClr val="accent1">
+                  <a:lumMod val="75000"/>
+                </a:schemeClr>
+              </a:buClr>
+              <a:buSzPct val="145000"/>
+              <a:buFont typeface="Arial"/>
+              <a:buChar char="•"/>
+              <a:defRPr sz="1400" kern="1200" cap="none">
+                <a:solidFill>
+                  <a:schemeClr val="tx1"/>
+                </a:solidFill>
+                <a:effectLst/>
+                <a:latin typeface="+mn-lt"/>
+                <a:ea typeface="+mn-ea"/>
+                <a:cs typeface="+mn-cs"/>
+              </a:defRPr>
+            </a:lvl7pPr>
+            <a:lvl8pPr marL="3429000" indent="-228600" algn="l" defTabSz="457200" rtl="0" eaLnBrk="1" latinLnBrk="0" hangingPunct="1">
+              <a:spcBef>
+                <a:spcPct val="20000"/>
+              </a:spcBef>
+              <a:spcAft>
+                <a:spcPts val="600"/>
+              </a:spcAft>
+              <a:buClr>
+                <a:schemeClr val="accent1">
+                  <a:lumMod val="75000"/>
+                </a:schemeClr>
+              </a:buClr>
+              <a:buSzPct val="145000"/>
+              <a:buFont typeface="Arial"/>
+              <a:buChar char="•"/>
+              <a:defRPr sz="1400" kern="1200" cap="none">
+                <a:solidFill>
+                  <a:schemeClr val="tx1"/>
+                </a:solidFill>
+                <a:effectLst/>
+                <a:latin typeface="+mn-lt"/>
+                <a:ea typeface="+mn-ea"/>
+                <a:cs typeface="+mn-cs"/>
+              </a:defRPr>
+            </a:lvl8pPr>
+            <a:lvl9pPr marL="3886200" indent="-228600" algn="l" defTabSz="457200" rtl="0" eaLnBrk="1" latinLnBrk="0" hangingPunct="1">
+              <a:spcBef>
+                <a:spcPct val="20000"/>
+              </a:spcBef>
+              <a:spcAft>
+                <a:spcPts val="600"/>
+              </a:spcAft>
+              <a:buClr>
+                <a:schemeClr val="accent1">
+                  <a:lumMod val="75000"/>
+                </a:schemeClr>
+              </a:buClr>
+              <a:buSzPct val="145000"/>
+              <a:buFont typeface="Arial"/>
+              <a:buChar char="•"/>
+              <a:defRPr sz="1400" kern="1200" cap="none">
+                <a:solidFill>
+                  <a:schemeClr val="tx1"/>
+                </a:solidFill>
+                <a:effectLst/>
+                <a:latin typeface="+mn-lt"/>
+                <a:ea typeface="+mn-ea"/>
+                <a:cs typeface="+mn-cs"/>
+              </a:defRPr>
+            </a:lvl9pPr>
+          </a:lstStyle>
+          <a:p>
+            <a:r>
+              <a:rPr lang="de-DE" dirty="0" smtClean="0"/>
+              <a:t>Service</a:t>
+            </a:r>
+          </a:p>
+          <a:p>
+            <a:pPr lvl="1"/>
+            <a:r>
+              <a:rPr lang="de-DE" dirty="0"/>
+              <a:t>Umsetzung einer für sich selbst stehenden fachlichen Funktionalität</a:t>
+            </a:r>
+            <a:r>
+              <a:rPr lang="de-DE" dirty="0" smtClean="0"/>
+              <a:t>.</a:t>
+            </a:r>
+            <a:endParaRPr lang="de-DE" dirty="0"/>
+          </a:p>
+          <a:p>
+            <a:r>
+              <a:rPr lang="de-DE" dirty="0" err="1" smtClean="0"/>
+              <a:t>Execution</a:t>
+            </a:r>
+            <a:r>
+              <a:rPr lang="de-DE" dirty="0" smtClean="0"/>
+              <a:t> Engine</a:t>
+            </a:r>
+          </a:p>
+          <a:p>
+            <a:pPr lvl="1"/>
+            <a:r>
+              <a:rPr lang="de-DE" dirty="0"/>
+              <a:t>a</a:t>
+            </a:r>
+            <a:r>
+              <a:rPr lang="de-DE" dirty="0" smtClean="0"/>
+              <a:t>usführen von zusammengesetzten Services</a:t>
+            </a:r>
+            <a:endParaRPr lang="de-DE" dirty="0"/>
           </a:p>
         </p:txBody>
       </p:sp>
@@ -8493,8 +8811,13 @@
             <a:pPr lvl="1"/>
             <a:r>
               <a:rPr lang="de-DE" dirty="0" smtClean="0"/>
-              <a:t>Entwickelt zum erstellen von Webservices</a:t>
-            </a:r>
+              <a:t>Entwickelt </a:t>
+            </a:r>
+            <a:r>
+              <a:rPr lang="de-DE" dirty="0" smtClean="0"/>
+              <a:t>von Google</a:t>
+            </a:r>
+            <a:endParaRPr lang="de-DE" dirty="0" smtClean="0"/>
           </a:p>
           <a:p>
             <a:r>
@@ -8511,8 +8834,16 @@
           <a:p>
             <a:pPr lvl="1"/>
             <a:r>
+              <a:rPr lang="de-DE" dirty="0"/>
+              <a:t>u</a:t>
+            </a:r>
+            <a:r>
               <a:rPr lang="de-DE" dirty="0" smtClean="0"/>
-              <a:t>Und Realisierung</a:t>
+              <a:t>nd </a:t>
+            </a:r>
+            <a:r>
+              <a:rPr lang="de-DE" dirty="0" smtClean="0"/>
+              <a:t>Realisierung</a:t>
             </a:r>
           </a:p>
           <a:p>
@@ -9187,7 +9518,7 @@
   <a:extraClrSchemeLst/>
   <a:extLst>
     <a:ext uri="{05A4C25C-085E-4340-85A3-A5531E510DB2}">
-      <thm15:themeFamily xmlns:thm15="http://schemas.microsoft.com/office/thememl/2012/main" xmlns="" name="Parallax" id="{3388167B-A2EB-4685-9635-1831D9AEF8C4}" vid="{4F7A876A-7598-49CA-AFC8-8EDA2551E4A7}"/>
+      <thm15:themeFamily xmlns="" xmlns:thm15="http://schemas.microsoft.com/office/thememl/2012/main" name="Parallax" id="{3388167B-A2EB-4685-9635-1831D9AEF8C4}" vid="{4F7A876A-7598-49CA-AFC8-8EDA2551E4A7}"/>
     </a:ext>
   </a:extLst>
 </a:theme>
@@ -9448,7 +9779,7 @@
   <a:extraClrSchemeLst/>
   <a:extLst>
     <a:ext uri="{05A4C25C-085E-4340-85A3-A5531E510DB2}">
-      <thm15:themeFamily xmlns:thm15="http://schemas.microsoft.com/office/thememl/2012/main" xmlns="" name="Office Theme" id="{62F939B6-93AF-4DB8-9C6B-D6C7DFDC589F}" vid="{4A3C46E8-61CC-4603-A589-7422A47A8E4A}"/>
+      <thm15:themeFamily xmlns="" xmlns:thm15="http://schemas.microsoft.com/office/thememl/2012/main" name="Office Theme" id="{62F939B6-93AF-4DB8-9C6B-D6C7DFDC589F}" vid="{4A3C46E8-61CC-4603-A589-7422A47A8E4A}"/>
     </a:ext>
   </a:extLst>
 </a:theme>
